--- a/python/module 1/presentation/МК по Python.pptx
+++ b/python/module 1/presentation/МК по Python.pptx
@@ -5,7 +5,7 @@
     <p:sldMasterId id="2147483711" r:id="rId1"/>
   </p:sldMasterIdLst>
   <p:notesMasterIdLst>
-    <p:notesMasterId r:id="rId32"/>
+    <p:notesMasterId r:id="rId18"/>
   </p:notesMasterIdLst>
   <p:sldIdLst>
     <p:sldId id="270" r:id="rId2"/>
@@ -24,20 +24,6 @@
     <p:sldId id="368" r:id="rId15"/>
     <p:sldId id="273" r:id="rId16"/>
     <p:sldId id="347" r:id="rId17"/>
-    <p:sldId id="280" r:id="rId18"/>
-    <p:sldId id="279" r:id="rId19"/>
-    <p:sldId id="349" r:id="rId20"/>
-    <p:sldId id="350" r:id="rId21"/>
-    <p:sldId id="351" r:id="rId22"/>
-    <p:sldId id="358" r:id="rId23"/>
-    <p:sldId id="359" r:id="rId24"/>
-    <p:sldId id="352" r:id="rId25"/>
-    <p:sldId id="354" r:id="rId26"/>
-    <p:sldId id="356" r:id="rId27"/>
-    <p:sldId id="355" r:id="rId28"/>
-    <p:sldId id="357" r:id="rId29"/>
-    <p:sldId id="353" r:id="rId30"/>
-    <p:sldId id="348" r:id="rId31"/>
   </p:sldIdLst>
   <p:sldSz cx="12192000" cy="6858000"/>
   <p:notesSz cx="6858000" cy="9144000"/>
@@ -138,7 +124,7 @@
   </p:defaultTextStyle>
   <p:extLst>
     <p:ext uri="{EFAFB233-063F-42B5-8137-9DF3F51BA10A}">
-      <p15:sldGuideLst xmlns:p15="http://schemas.microsoft.com/office/powerpoint/2012/main" xmlns="">
+      <p15:sldGuideLst xmlns="" xmlns:p15="http://schemas.microsoft.com/office/powerpoint/2012/main">
         <p15:guide id="1" orient="horz" pos="2160">
           <p15:clr>
             <a:srgbClr val="A4A3A4"/>
@@ -237,7 +223,8 @@
           <a:p>
             <a:fld id="{CECD0833-98DE-4306-AB9A-4B1B3717CDD5}" type="datetimeFigureOut">
               <a:rPr lang="ru-RU" smtClean="0"/>
-              <a:t>03.11.2020</a:t>
+              <a:pPr/>
+              <a:t>28.08.2022</a:t>
             </a:fld>
             <a:endParaRPr lang="ru-RU"/>
           </a:p>
@@ -398,6 +385,7 @@
           <a:p>
             <a:fld id="{CB204BF5-36EB-4FDC-8157-924C53C9EE3B}" type="slidenum">
               <a:rPr lang="ru-RU" smtClean="0"/>
+              <a:pPr/>
               <a:t>‹#›</a:t>
             </a:fld>
             <a:endParaRPr lang="ru-RU"/>
@@ -1227,7 +1215,7 @@
             <a:fld id="{3CCF56C0-5008-4DB4-8698-E16469066013}" type="datetimeFigureOut">
               <a:rPr lang="ru-RU" smtClean="0"/>
               <a:pPr/>
-              <a:t>03.11.2020</a:t>
+              <a:t>28.08.2022</a:t>
             </a:fld>
             <a:endParaRPr lang="ru-RU" dirty="0"/>
           </a:p>
@@ -1279,7 +1267,7 @@
     </p:spTree>
     <p:extLst>
       <p:ext uri="{BB962C8B-B14F-4D97-AF65-F5344CB8AC3E}">
-        <p14:creationId xmlns:p14="http://schemas.microsoft.com/office/powerpoint/2010/main" xmlns="" val="4238684791"/>
+        <p14:creationId xmlns="" xmlns:p14="http://schemas.microsoft.com/office/powerpoint/2010/main" val="4238684791"/>
       </p:ext>
     </p:extLst>
   </p:cSld>
@@ -1480,7 +1468,7 @@
             <a:fld id="{3CCF56C0-5008-4DB4-8698-E16469066013}" type="datetimeFigureOut">
               <a:rPr lang="ru-RU" smtClean="0"/>
               <a:pPr/>
-              <a:t>03.11.2020</a:t>
+              <a:t>28.08.2022</a:t>
             </a:fld>
             <a:endParaRPr lang="ru-RU" dirty="0"/>
           </a:p>
@@ -1532,7 +1520,7 @@
     </p:spTree>
     <p:extLst>
       <p:ext uri="{BB962C8B-B14F-4D97-AF65-F5344CB8AC3E}">
-        <p14:creationId xmlns:p14="http://schemas.microsoft.com/office/powerpoint/2010/main" xmlns="" val="3509571314"/>
+        <p14:creationId xmlns="" xmlns:p14="http://schemas.microsoft.com/office/powerpoint/2010/main" val="3509571314"/>
       </p:ext>
     </p:extLst>
   </p:cSld>
@@ -1796,7 +1784,7 @@
             <a:fld id="{3CCF56C0-5008-4DB4-8698-E16469066013}" type="datetimeFigureOut">
               <a:rPr lang="ru-RU" smtClean="0"/>
               <a:pPr/>
-              <a:t>03.11.2020</a:t>
+              <a:t>28.08.2022</a:t>
             </a:fld>
             <a:endParaRPr lang="ru-RU" dirty="0"/>
           </a:p>
@@ -1924,7 +1912,7 @@
     </p:spTree>
     <p:extLst>
       <p:ext uri="{BB962C8B-B14F-4D97-AF65-F5344CB8AC3E}">
-        <p14:creationId xmlns:p14="http://schemas.microsoft.com/office/powerpoint/2010/main" xmlns="" val="913784525"/>
+        <p14:creationId xmlns="" xmlns:p14="http://schemas.microsoft.com/office/powerpoint/2010/main" val="913784525"/>
       </p:ext>
     </p:extLst>
   </p:cSld>
@@ -2125,7 +2113,7 @@
             <a:fld id="{3CCF56C0-5008-4DB4-8698-E16469066013}" type="datetimeFigureOut">
               <a:rPr lang="ru-RU" smtClean="0"/>
               <a:pPr/>
-              <a:t>03.11.2020</a:t>
+              <a:t>28.08.2022</a:t>
             </a:fld>
             <a:endParaRPr lang="ru-RU" dirty="0"/>
           </a:p>
@@ -2177,7 +2165,7 @@
     </p:spTree>
     <p:extLst>
       <p:ext uri="{BB962C8B-B14F-4D97-AF65-F5344CB8AC3E}">
-        <p14:creationId xmlns:p14="http://schemas.microsoft.com/office/powerpoint/2010/main" xmlns="" val="1237628931"/>
+        <p14:creationId xmlns="" xmlns:p14="http://schemas.microsoft.com/office/powerpoint/2010/main" val="1237628931"/>
       </p:ext>
     </p:extLst>
   </p:cSld>
@@ -2441,7 +2429,7 @@
             <a:fld id="{3CCF56C0-5008-4DB4-8698-E16469066013}" type="datetimeFigureOut">
               <a:rPr lang="ru-RU" smtClean="0"/>
               <a:pPr/>
-              <a:t>03.11.2020</a:t>
+              <a:t>28.08.2022</a:t>
             </a:fld>
             <a:endParaRPr lang="ru-RU" dirty="0"/>
           </a:p>
@@ -2569,7 +2557,7 @@
     </p:spTree>
     <p:extLst>
       <p:ext uri="{BB962C8B-B14F-4D97-AF65-F5344CB8AC3E}">
-        <p14:creationId xmlns:p14="http://schemas.microsoft.com/office/powerpoint/2010/main" xmlns="" val="4076467919"/>
+        <p14:creationId xmlns="" xmlns:p14="http://schemas.microsoft.com/office/powerpoint/2010/main" val="4076467919"/>
       </p:ext>
     </p:extLst>
   </p:cSld>
@@ -2830,7 +2818,7 @@
             <a:fld id="{3CCF56C0-5008-4DB4-8698-E16469066013}" type="datetimeFigureOut">
               <a:rPr lang="ru-RU" smtClean="0"/>
               <a:pPr/>
-              <a:t>03.11.2020</a:t>
+              <a:t>28.08.2022</a:t>
             </a:fld>
             <a:endParaRPr lang="ru-RU" dirty="0"/>
           </a:p>
@@ -2882,7 +2870,7 @@
     </p:spTree>
     <p:extLst>
       <p:ext uri="{BB962C8B-B14F-4D97-AF65-F5344CB8AC3E}">
-        <p14:creationId xmlns:p14="http://schemas.microsoft.com/office/powerpoint/2010/main" xmlns="" val="2010692"/>
+        <p14:creationId xmlns="" xmlns:p14="http://schemas.microsoft.com/office/powerpoint/2010/main" val="2010692"/>
       </p:ext>
     </p:extLst>
   </p:cSld>
@@ -3002,7 +2990,7 @@
             <a:fld id="{3CCF56C0-5008-4DB4-8698-E16469066013}" type="datetimeFigureOut">
               <a:rPr lang="ru-RU" smtClean="0"/>
               <a:pPr/>
-              <a:t>03.11.2020</a:t>
+              <a:t>28.08.2022</a:t>
             </a:fld>
             <a:endParaRPr lang="ru-RU" dirty="0"/>
           </a:p>
@@ -3054,7 +3042,7 @@
     </p:spTree>
     <p:extLst>
       <p:ext uri="{BB962C8B-B14F-4D97-AF65-F5344CB8AC3E}">
-        <p14:creationId xmlns:p14="http://schemas.microsoft.com/office/powerpoint/2010/main" xmlns="" val="1184326843"/>
+        <p14:creationId xmlns="" xmlns:p14="http://schemas.microsoft.com/office/powerpoint/2010/main" val="1184326843"/>
       </p:ext>
     </p:extLst>
   </p:cSld>
@@ -3184,7 +3172,7 @@
             <a:fld id="{3CCF56C0-5008-4DB4-8698-E16469066013}" type="datetimeFigureOut">
               <a:rPr lang="ru-RU" smtClean="0"/>
               <a:pPr/>
-              <a:t>03.11.2020</a:t>
+              <a:t>28.08.2022</a:t>
             </a:fld>
             <a:endParaRPr lang="ru-RU" dirty="0"/>
           </a:p>
@@ -3236,7 +3224,7 @@
     </p:spTree>
     <p:extLst>
       <p:ext uri="{BB962C8B-B14F-4D97-AF65-F5344CB8AC3E}">
-        <p14:creationId xmlns:p14="http://schemas.microsoft.com/office/powerpoint/2010/main" xmlns="" val="529529951"/>
+        <p14:creationId xmlns="" xmlns:p14="http://schemas.microsoft.com/office/powerpoint/2010/main" val="529529951"/>
       </p:ext>
     </p:extLst>
   </p:cSld>
@@ -3362,7 +3350,7 @@
             <a:fld id="{3CCF56C0-5008-4DB4-8698-E16469066013}" type="datetimeFigureOut">
               <a:rPr lang="ru-RU" smtClean="0"/>
               <a:pPr/>
-              <a:t>03.11.2020</a:t>
+              <a:t>28.08.2022</a:t>
             </a:fld>
             <a:endParaRPr lang="ru-RU" dirty="0"/>
           </a:p>
@@ -3414,7 +3402,7 @@
     </p:spTree>
     <p:extLst>
       <p:ext uri="{BB962C8B-B14F-4D97-AF65-F5344CB8AC3E}">
-        <p14:creationId xmlns:p14="http://schemas.microsoft.com/office/powerpoint/2010/main" xmlns="" val="1794803828"/>
+        <p14:creationId xmlns="" xmlns:p14="http://schemas.microsoft.com/office/powerpoint/2010/main" val="1794803828"/>
       </p:ext>
     </p:extLst>
   </p:cSld>
@@ -3611,7 +3599,7 @@
             <a:fld id="{3CCF56C0-5008-4DB4-8698-E16469066013}" type="datetimeFigureOut">
               <a:rPr lang="ru-RU" smtClean="0"/>
               <a:pPr/>
-              <a:t>03.11.2020</a:t>
+              <a:t>28.08.2022</a:t>
             </a:fld>
             <a:endParaRPr lang="ru-RU" dirty="0"/>
           </a:p>
@@ -3663,7 +3651,7 @@
     </p:spTree>
     <p:extLst>
       <p:ext uri="{BB962C8B-B14F-4D97-AF65-F5344CB8AC3E}">
-        <p14:creationId xmlns:p14="http://schemas.microsoft.com/office/powerpoint/2010/main" xmlns="" val="1622354848"/>
+        <p14:creationId xmlns="" xmlns:p14="http://schemas.microsoft.com/office/powerpoint/2010/main" val="1622354848"/>
       </p:ext>
     </p:extLst>
   </p:cSld>
@@ -3845,7 +3833,7 @@
             <a:fld id="{3CCF56C0-5008-4DB4-8698-E16469066013}" type="datetimeFigureOut">
               <a:rPr lang="ru-RU" smtClean="0"/>
               <a:pPr/>
-              <a:t>03.11.2020</a:t>
+              <a:t>28.08.2022</a:t>
             </a:fld>
             <a:endParaRPr lang="ru-RU" dirty="0"/>
           </a:p>
@@ -3897,7 +3885,7 @@
     </p:spTree>
     <p:extLst>
       <p:ext uri="{BB962C8B-B14F-4D97-AF65-F5344CB8AC3E}">
-        <p14:creationId xmlns:p14="http://schemas.microsoft.com/office/powerpoint/2010/main" xmlns="" val="2665461008"/>
+        <p14:creationId xmlns="" xmlns:p14="http://schemas.microsoft.com/office/powerpoint/2010/main" val="2665461008"/>
       </p:ext>
     </p:extLst>
   </p:cSld>
@@ -4221,7 +4209,7 @@
             <a:fld id="{3CCF56C0-5008-4DB4-8698-E16469066013}" type="datetimeFigureOut">
               <a:rPr lang="ru-RU" smtClean="0"/>
               <a:pPr/>
-              <a:t>03.11.2020</a:t>
+              <a:t>28.08.2022</a:t>
             </a:fld>
             <a:endParaRPr lang="ru-RU" dirty="0"/>
           </a:p>
@@ -4273,7 +4261,7 @@
     </p:spTree>
     <p:extLst>
       <p:ext uri="{BB962C8B-B14F-4D97-AF65-F5344CB8AC3E}">
-        <p14:creationId xmlns:p14="http://schemas.microsoft.com/office/powerpoint/2010/main" xmlns="" val="2514946757"/>
+        <p14:creationId xmlns="" xmlns:p14="http://schemas.microsoft.com/office/powerpoint/2010/main" val="2514946757"/>
       </p:ext>
     </p:extLst>
   </p:cSld>
@@ -4346,7 +4334,7 @@
             <a:fld id="{3CCF56C0-5008-4DB4-8698-E16469066013}" type="datetimeFigureOut">
               <a:rPr lang="ru-RU" smtClean="0"/>
               <a:pPr/>
-              <a:t>03.11.2020</a:t>
+              <a:t>28.08.2022</a:t>
             </a:fld>
             <a:endParaRPr lang="ru-RU" dirty="0"/>
           </a:p>
@@ -4398,7 +4386,7 @@
     </p:spTree>
     <p:extLst>
       <p:ext uri="{BB962C8B-B14F-4D97-AF65-F5344CB8AC3E}">
-        <p14:creationId xmlns:p14="http://schemas.microsoft.com/office/powerpoint/2010/main" xmlns="" val="1009674793"/>
+        <p14:creationId xmlns="" xmlns:p14="http://schemas.microsoft.com/office/powerpoint/2010/main" val="1009674793"/>
       </p:ext>
     </p:extLst>
   </p:cSld>
@@ -4443,7 +4431,7 @@
             <a:fld id="{3CCF56C0-5008-4DB4-8698-E16469066013}" type="datetimeFigureOut">
               <a:rPr lang="ru-RU" smtClean="0"/>
               <a:pPr/>
-              <a:t>03.11.2020</a:t>
+              <a:t>28.08.2022</a:t>
             </a:fld>
             <a:endParaRPr lang="ru-RU" dirty="0"/>
           </a:p>
@@ -4495,7 +4483,7 @@
     </p:spTree>
     <p:extLst>
       <p:ext uri="{BB962C8B-B14F-4D97-AF65-F5344CB8AC3E}">
-        <p14:creationId xmlns:p14="http://schemas.microsoft.com/office/powerpoint/2010/main" xmlns="" val="37853350"/>
+        <p14:creationId xmlns="" xmlns:p14="http://schemas.microsoft.com/office/powerpoint/2010/main" val="37853350"/>
       </p:ext>
     </p:extLst>
   </p:cSld>
@@ -4700,7 +4688,7 @@
             <a:fld id="{3CCF56C0-5008-4DB4-8698-E16469066013}" type="datetimeFigureOut">
               <a:rPr lang="ru-RU" smtClean="0"/>
               <a:pPr/>
-              <a:t>03.11.2020</a:t>
+              <a:t>28.08.2022</a:t>
             </a:fld>
             <a:endParaRPr lang="ru-RU" dirty="0"/>
           </a:p>
@@ -4752,7 +4740,7 @@
     </p:spTree>
     <p:extLst>
       <p:ext uri="{BB962C8B-B14F-4D97-AF65-F5344CB8AC3E}">
-        <p14:creationId xmlns:p14="http://schemas.microsoft.com/office/powerpoint/2010/main" xmlns="" val="1485505807"/>
+        <p14:creationId xmlns="" xmlns:p14="http://schemas.microsoft.com/office/powerpoint/2010/main" val="1485505807"/>
       </p:ext>
     </p:extLst>
   </p:cSld>
@@ -4965,7 +4953,7 @@
             <a:fld id="{3CCF56C0-5008-4DB4-8698-E16469066013}" type="datetimeFigureOut">
               <a:rPr lang="ru-RU" smtClean="0"/>
               <a:pPr/>
-              <a:t>03.11.2020</a:t>
+              <a:t>28.08.2022</a:t>
             </a:fld>
             <a:endParaRPr lang="ru-RU" dirty="0"/>
           </a:p>
@@ -5017,7 +5005,7 @@
     </p:spTree>
     <p:extLst>
       <p:ext uri="{BB962C8B-B14F-4D97-AF65-F5344CB8AC3E}">
-        <p14:creationId xmlns:p14="http://schemas.microsoft.com/office/powerpoint/2010/main" xmlns="" val="1525686664"/>
+        <p14:creationId xmlns="" xmlns:p14="http://schemas.microsoft.com/office/powerpoint/2010/main" val="1525686664"/>
       </p:ext>
     </p:extLst>
   </p:cSld>
@@ -5712,7 +5700,7 @@
             <a:fld id="{3CCF56C0-5008-4DB4-8698-E16469066013}" type="datetimeFigureOut">
               <a:rPr lang="ru-RU" smtClean="0"/>
               <a:pPr/>
-              <a:t>03.11.2020</a:t>
+              <a:t>28.08.2022</a:t>
             </a:fld>
             <a:endParaRPr lang="ru-RU" dirty="0"/>
           </a:p>
@@ -5798,7 +5786,7 @@
     </p:spTree>
     <p:extLst>
       <p:ext uri="{BB962C8B-B14F-4D97-AF65-F5344CB8AC3E}">
-        <p14:creationId xmlns:p14="http://schemas.microsoft.com/office/powerpoint/2010/main" xmlns="" val="2523392475"/>
+        <p14:creationId xmlns="" xmlns:p14="http://schemas.microsoft.com/office/powerpoint/2010/main" val="2523392475"/>
       </p:ext>
     </p:extLst>
   </p:cSld>
@@ -6325,7 +6313,7 @@
     </p:spTree>
     <p:extLst>
       <p:ext uri="{BB962C8B-B14F-4D97-AF65-F5344CB8AC3E}">
-        <p14:creationId xmlns:p14="http://schemas.microsoft.com/office/powerpoint/2010/main" xmlns="" val="1233979454"/>
+        <p14:creationId xmlns="" xmlns:p14="http://schemas.microsoft.com/office/powerpoint/2010/main" val="1233979454"/>
       </p:ext>
     </p:extLst>
   </p:cSld>
@@ -6380,16 +6368,8 @@
           <a:lstStyle/>
           <a:p>
             <a:r>
-              <a:rPr lang="ru-RU" dirty="0"/>
-              <a:t>С</a:t>
-            </a:r>
-            <a:r>
               <a:rPr lang="ru-RU" dirty="0" smtClean="0"/>
-              <a:t>айты на </a:t>
-            </a:r>
-            <a:r>
-              <a:rPr lang="en-US" dirty="0" smtClean="0"/>
-              <a:t>python</a:t>
+              <a:t>Сайты</a:t>
             </a:r>
             <a:endParaRPr lang="ru-RU" dirty="0"/>
           </a:p>
@@ -6407,7 +6387,7 @@
           <a:blip r:embed="rId2" cstate="print">
             <a:extLst>
               <a:ext uri="{28A0092B-C50C-407E-A947-70E740481C1C}">
-                <a14:useLocalDpi xmlns:a14="http://schemas.microsoft.com/office/drawing/2010/main" xmlns="" val="0"/>
+                <a14:useLocalDpi xmlns="" xmlns:a14="http://schemas.microsoft.com/office/drawing/2010/main" val="0"/>
               </a:ext>
             </a:extLst>
           </a:blip>
@@ -6442,7 +6422,7 @@
           <a:blip r:embed="rId3" cstate="print">
             <a:extLst>
               <a:ext uri="{28A0092B-C50C-407E-A947-70E740481C1C}">
-                <a14:useLocalDpi xmlns:a14="http://schemas.microsoft.com/office/drawing/2010/main" xmlns="" val="0"/>
+                <a14:useLocalDpi xmlns="" xmlns:a14="http://schemas.microsoft.com/office/drawing/2010/main" val="0"/>
               </a:ext>
             </a:extLst>
           </a:blip>
@@ -6477,7 +6457,7 @@
           <a:blip r:embed="rId4" cstate="print">
             <a:extLst>
               <a:ext uri="{28A0092B-C50C-407E-A947-70E740481C1C}">
-                <a14:useLocalDpi xmlns:a14="http://schemas.microsoft.com/office/drawing/2010/main" xmlns="" val="0"/>
+                <a14:useLocalDpi xmlns="" xmlns:a14="http://schemas.microsoft.com/office/drawing/2010/main" val="0"/>
               </a:ext>
             </a:extLst>
           </a:blip>
@@ -6512,7 +6492,7 @@
           <a:blip r:embed="rId5" cstate="print">
             <a:extLst>
               <a:ext uri="{28A0092B-C50C-407E-A947-70E740481C1C}">
-                <a14:useLocalDpi xmlns:a14="http://schemas.microsoft.com/office/drawing/2010/main" xmlns="" val="0"/>
+                <a14:useLocalDpi xmlns="" xmlns:a14="http://schemas.microsoft.com/office/drawing/2010/main" val="0"/>
               </a:ext>
             </a:extLst>
           </a:blip>
@@ -6547,7 +6527,7 @@
           <a:blip r:embed="rId6" cstate="print">
             <a:extLst>
               <a:ext uri="{28A0092B-C50C-407E-A947-70E740481C1C}">
-                <a14:useLocalDpi xmlns:a14="http://schemas.microsoft.com/office/drawing/2010/main" xmlns="" val="0"/>
+                <a14:useLocalDpi xmlns="" xmlns:a14="http://schemas.microsoft.com/office/drawing/2010/main" val="0"/>
               </a:ext>
             </a:extLst>
           </a:blip>
@@ -6573,7 +6553,7 @@
     </p:spTree>
     <p:extLst>
       <p:ext uri="{BB962C8B-B14F-4D97-AF65-F5344CB8AC3E}">
-        <p14:creationId xmlns:p14="http://schemas.microsoft.com/office/powerpoint/2010/main" xmlns="" val="3766568165"/>
+        <p14:creationId xmlns="" xmlns:p14="http://schemas.microsoft.com/office/powerpoint/2010/main" val="3766568165"/>
       </p:ext>
     </p:extLst>
   </p:cSld>
@@ -6617,15 +6597,7 @@
           <a:p>
             <a:r>
               <a:rPr lang="ru-RU" dirty="0" smtClean="0"/>
-              <a:t>Приложения на </a:t>
-            </a:r>
-            <a:r>
-              <a:rPr lang="en-US" dirty="0"/>
-              <a:t>p</a:t>
-            </a:r>
-            <a:r>
-              <a:rPr lang="en-US" dirty="0" smtClean="0"/>
-              <a:t>ython</a:t>
+              <a:t>Приложения</a:t>
             </a:r>
             <a:endParaRPr lang="ru-RU" dirty="0"/>
           </a:p>
@@ -6738,7 +6710,7 @@
     </p:spTree>
     <p:extLst>
       <p:ext uri="{BB962C8B-B14F-4D97-AF65-F5344CB8AC3E}">
-        <p14:creationId xmlns:p14="http://schemas.microsoft.com/office/powerpoint/2010/main" xmlns="" val="2676193947"/>
+        <p14:creationId xmlns="" xmlns:p14="http://schemas.microsoft.com/office/powerpoint/2010/main" val="2676193947"/>
       </p:ext>
     </p:extLst>
   </p:cSld>
@@ -6782,11 +6754,11 @@
           <a:p>
             <a:r>
               <a:rPr lang="ru-RU" dirty="0" smtClean="0"/>
-              <a:t>Логика для игр на </a:t>
-            </a:r>
-            <a:r>
-              <a:rPr lang="en-US" dirty="0" smtClean="0"/>
-              <a:t>Python</a:t>
+              <a:t>Логика </a:t>
+            </a:r>
+            <a:r>
+              <a:rPr lang="ru-RU" dirty="0" smtClean="0"/>
+              <a:t>в играх</a:t>
             </a:r>
             <a:endParaRPr lang="ru-RU" dirty="0"/>
           </a:p>
@@ -6925,7 +6897,7 @@
     </p:spTree>
     <p:extLst>
       <p:ext uri="{BB962C8B-B14F-4D97-AF65-F5344CB8AC3E}">
-        <p14:creationId xmlns:p14="http://schemas.microsoft.com/office/powerpoint/2010/main" xmlns="" val="3229714075"/>
+        <p14:creationId xmlns="" xmlns:p14="http://schemas.microsoft.com/office/powerpoint/2010/main" val="3229714075"/>
       </p:ext>
     </p:extLst>
   </p:cSld>
@@ -7007,23 +6979,49 @@
             </a:pPr>
             <a:r>
               <a:rPr lang="ru-RU" dirty="0" smtClean="0"/>
-              <a:t>Отрасль на </a:t>
-            </a:r>
+              <a:t>Отрасль на пересечении информатики, математики и еще одной из наук (физика, биологий, экономикой, логистикой, социологией, психологией и д.т.)</a:t>
+            </a:r>
+            <a:endParaRPr lang="ru-RU" dirty="0"/>
+          </a:p>
+          <a:p>
+            <a:pPr marL="0" indent="0">
+              <a:buNone/>
+            </a:pPr>
             <a:r>
               <a:rPr lang="ru-RU" dirty="0" smtClean="0"/>
-              <a:t>пересечении</a:t>
+              <a:t>Суть в том, что мы заливаем в спроектированную модель машинного обучения какой то огромный массив данных, она </a:t>
             </a:r>
             <a:r>
               <a:rPr lang="ru-RU" dirty="0" smtClean="0"/>
-              <a:t> информатики, математики </a:t>
+              <a:t>на них обучается</a:t>
             </a:r>
             <a:r>
               <a:rPr lang="ru-RU" dirty="0" smtClean="0"/>
-              <a:t>и еще одной из наук (физика, биологий, экономикой, логистикой, социологией, психологией и д.т</a:t>
+              <a:t>, </a:t>
             </a:r>
             <a:r>
               <a:rPr lang="ru-RU" dirty="0" smtClean="0"/>
-              <a:t>.)</a:t>
+              <a:t>а</a:t>
+            </a:r>
+            <a:r>
+              <a:rPr lang="ru-RU" dirty="0" smtClean="0"/>
+              <a:t> </a:t>
+            </a:r>
+            <a:r>
+              <a:rPr lang="ru-RU" dirty="0" smtClean="0"/>
+              <a:t>потом мы можем использовать обученную модель для </a:t>
+            </a:r>
+            <a:r>
+              <a:rPr lang="ru-RU" dirty="0" smtClean="0"/>
+              <a:t>прогнозирования, </a:t>
+            </a:r>
+            <a:r>
+              <a:rPr lang="ru-RU" dirty="0" smtClean="0"/>
+              <a:t>восстановления или дальнейшего анализа </a:t>
+            </a:r>
+            <a:r>
+              <a:rPr lang="ru-RU" dirty="0" smtClean="0"/>
+              <a:t>данных.</a:t>
             </a:r>
             <a:endParaRPr lang="ru-RU" dirty="0"/>
           </a:p>
@@ -7033,65 +7031,19 @@
             </a:pPr>
             <a:r>
               <a:rPr lang="ru-RU" dirty="0" smtClean="0"/>
-              <a:t>Суть в том, что мы заливаем в </a:t>
+              <a:t>Например мы можем обучить модель распознавать нарушителя через видеокамеры, распознавать новые заболевания и прогнозировать их распространение, подбирать </a:t>
             </a:r>
             <a:r>
               <a:rPr lang="ru-RU" dirty="0" smtClean="0"/>
-              <a:t>спроектированную модель </a:t>
+              <a:t>товары</a:t>
             </a:r>
             <a:r>
               <a:rPr lang="ru-RU" dirty="0" smtClean="0"/>
-              <a:t>машинного обучения какой то огромный массив данных, она их анализирует, и потом мы можем использовать </a:t>
+              <a:t> </a:t>
             </a:r>
             <a:r>
               <a:rPr lang="ru-RU" dirty="0" smtClean="0"/>
-              <a:t>обученную модель </a:t>
-            </a:r>
-            <a:r>
-              <a:rPr lang="ru-RU" dirty="0" smtClean="0"/>
-              <a:t>для </a:t>
-            </a:r>
-            <a:r>
-              <a:rPr lang="ru-RU" dirty="0" smtClean="0"/>
-              <a:t>предсказания, восстановления или дальнейшего анализа данных</a:t>
-            </a:r>
-            <a:endParaRPr lang="ru-RU" dirty="0"/>
-          </a:p>
-          <a:p>
-            <a:pPr marL="0" indent="0">
-              <a:buNone/>
-            </a:pPr>
-            <a:r>
-              <a:rPr lang="ru-RU" dirty="0" smtClean="0"/>
-              <a:t>Например мы можем </a:t>
-            </a:r>
-            <a:r>
-              <a:rPr lang="ru-RU" dirty="0" smtClean="0"/>
-              <a:t>обучить </a:t>
-            </a:r>
-            <a:r>
-              <a:rPr lang="ru-RU" dirty="0" smtClean="0"/>
-              <a:t>модель распознавать нарушителя через видеокамеры, распознавать новые заболевания и прогнозировать их распространение, подбирать целевую аудиторию в </a:t>
-            </a:r>
-            <a:r>
-              <a:rPr lang="ru-RU" dirty="0" smtClean="0"/>
-              <a:t>интернете для рекомендация, </a:t>
-            </a:r>
-            <a:r>
-              <a:rPr lang="ru-RU" dirty="0" smtClean="0"/>
-              <a:t>анализировать поведение </a:t>
-            </a:r>
-            <a:r>
-              <a:rPr lang="ru-RU" dirty="0" smtClean="0"/>
-              <a:t>людей на сайтах, и </a:t>
-            </a:r>
-            <a:r>
-              <a:rPr lang="ru-RU" dirty="0" smtClean="0"/>
-              <a:t>т.д</a:t>
-            </a:r>
-            <a:r>
-              <a:rPr lang="ru-RU" dirty="0" smtClean="0"/>
-              <a:t>.</a:t>
+              <a:t>для рекомендация, анализировать поведение людей на сайтах, и т.д.</a:t>
             </a:r>
             <a:endParaRPr lang="en-US" dirty="0" smtClean="0"/>
           </a:p>
@@ -7107,11 +7059,7 @@
             </a:pPr>
             <a:r>
               <a:rPr lang="ru-RU" dirty="0" smtClean="0"/>
-              <a:t>Професси</a:t>
-            </a:r>
-            <a:r>
-              <a:rPr lang="ru-RU" dirty="0" smtClean="0"/>
-              <a:t>и: </a:t>
+              <a:t>Профессии: </a:t>
             </a:r>
           </a:p>
           <a:p>
@@ -7121,13 +7069,8 @@
             </a:pPr>
             <a:r>
               <a:rPr lang="ru-RU" dirty="0" smtClean="0"/>
-              <a:t>инженер </a:t>
-            </a:r>
-            <a:r>
-              <a:rPr lang="ru-RU" dirty="0" smtClean="0"/>
-              <a:t>по машинному обучению</a:t>
-            </a:r>
-            <a:endParaRPr lang="ru-RU" dirty="0" smtClean="0"/>
+              <a:t>инженер по машинному обучению</a:t>
+            </a:r>
           </a:p>
           <a:p>
             <a:pPr marL="0" indent="342000">
@@ -7136,15 +7079,7 @@
             </a:pPr>
             <a:r>
               <a:rPr lang="ru-RU" dirty="0" smtClean="0"/>
-              <a:t>специалист </a:t>
-            </a:r>
-            <a:r>
-              <a:rPr lang="ru-RU" dirty="0" smtClean="0"/>
-              <a:t>по </a:t>
-            </a:r>
-            <a:r>
-              <a:rPr lang="ru-RU" dirty="0" smtClean="0"/>
-              <a:t>данным</a:t>
+              <a:t>специалист по данным</a:t>
             </a:r>
           </a:p>
           <a:p>
@@ -7154,11 +7089,11 @@
             </a:pPr>
             <a:r>
               <a:rPr lang="ru-RU" dirty="0" smtClean="0"/>
-              <a:t>специалист </a:t>
+              <a:t>Дата </a:t>
             </a:r>
             <a:r>
               <a:rPr lang="ru-RU" dirty="0" smtClean="0"/>
-              <a:t>по анализу данных</a:t>
+              <a:t>аналитик</a:t>
             </a:r>
             <a:endParaRPr lang="ru-RU" dirty="0"/>
           </a:p>
@@ -7176,7 +7111,7 @@
           <a:blip r:embed="rId2" cstate="print">
             <a:extLst>
               <a:ext uri="{28A0092B-C50C-407E-A947-70E740481C1C}">
-                <a14:useLocalDpi xmlns:a14="http://schemas.microsoft.com/office/drawing/2010/main" xmlns="" val="0"/>
+                <a14:useLocalDpi xmlns="" xmlns:a14="http://schemas.microsoft.com/office/drawing/2010/main" val="0"/>
               </a:ext>
             </a:extLst>
           </a:blip>
@@ -7202,7 +7137,7 @@
     </p:spTree>
     <p:extLst>
       <p:ext uri="{BB962C8B-B14F-4D97-AF65-F5344CB8AC3E}">
-        <p14:creationId xmlns:p14="http://schemas.microsoft.com/office/powerpoint/2010/main" xmlns="" val="890699409"/>
+        <p14:creationId xmlns="" xmlns:p14="http://schemas.microsoft.com/office/powerpoint/2010/main" val="890699409"/>
       </p:ext>
     </p:extLst>
   </p:cSld>
@@ -7246,7 +7181,15 @@
           <a:p>
             <a:r>
               <a:rPr lang="ru-RU" dirty="0" smtClean="0"/>
-              <a:t>Искусственный интеллект</a:t>
+              <a:t>Искусственный </a:t>
+            </a:r>
+            <a:r>
+              <a:rPr lang="ru-RU" dirty="0" smtClean="0"/>
+              <a:t>интеллект – </a:t>
+            </a:r>
+            <a:r>
+              <a:rPr lang="ru-RU" dirty="0" err="1" smtClean="0"/>
+              <a:t>нейросети</a:t>
             </a:r>
             <a:endParaRPr lang="ru-RU" dirty="0"/>
           </a:p>
@@ -7270,7 +7213,7 @@
         </p:spPr>
         <p:txBody>
           <a:bodyPr>
-            <a:normAutofit fontScale="85000" lnSpcReduction="10000"/>
+            <a:normAutofit fontScale="92500" lnSpcReduction="20000"/>
           </a:bodyPr>
           <a:lstStyle/>
           <a:p>
@@ -7281,7 +7224,6 @@
               <a:rPr lang="ru-RU" dirty="0" smtClean="0"/>
               <a:t>Отрасль на периферии информатики, математики и нейронаук (нейрофизиология, анатомия ЦНС, нейропсихология и т.д.)</a:t>
             </a:r>
-            <a:endParaRPr lang="ru-RU" dirty="0" smtClean="0"/>
           </a:p>
           <a:p>
             <a:pPr marL="0">
@@ -7289,9 +7231,12 @@
             </a:pPr>
             <a:r>
               <a:rPr lang="ru-RU" dirty="0" smtClean="0"/>
-              <a:t>Суть в том что специалисты в данной области пытаются воспроизвести работу мозга в виртуальной среде.</a:t>
-            </a:r>
-            <a:endParaRPr lang="ru-RU" dirty="0" smtClean="0"/>
+              <a:t>Суть в том что специалисты в данной области пытаются воспроизвести работу мозга в виртуальной среде</a:t>
+            </a:r>
+            <a:r>
+              <a:rPr lang="ru-RU" dirty="0" smtClean="0"/>
+              <a:t>.</a:t>
+            </a:r>
           </a:p>
           <a:p>
             <a:pPr marL="0">
@@ -7299,7 +7244,31 @@
             </a:pPr>
             <a:r>
               <a:rPr lang="ru-RU" dirty="0" smtClean="0"/>
-              <a:t>Данная отрасль находится на начальном этапе своего развития, специалистам уже удалось научить машину понимать эмоции людей на фото и в тексте.</a:t>
+              <a:t>Самая бурно развивающаяся отрасль. Почти у каждого в телефоне есть ИИ</a:t>
+            </a:r>
+            <a:r>
+              <a:rPr lang="en-US" dirty="0" smtClean="0"/>
+              <a:t>: face</a:t>
+            </a:r>
+            <a:r>
+              <a:rPr lang="ru-RU" dirty="0" smtClean="0"/>
+              <a:t> </a:t>
+            </a:r>
+            <a:r>
+              <a:rPr lang="en-US" dirty="0" smtClean="0"/>
+              <a:t>id, </a:t>
+            </a:r>
+            <a:r>
+              <a:rPr lang="ru-RU" dirty="0" smtClean="0"/>
+              <a:t>отпечатки рук, диалоговые чат боты, маски в </a:t>
+            </a:r>
+            <a:r>
+              <a:rPr lang="ru-RU" dirty="0" err="1" smtClean="0"/>
+              <a:t>соцсетях</a:t>
+            </a:r>
+            <a:r>
+              <a:rPr lang="ru-RU" dirty="0" smtClean="0"/>
+              <a:t> и т.д.</a:t>
             </a:r>
             <a:endParaRPr lang="ru-RU" dirty="0" smtClean="0"/>
           </a:p>
@@ -7317,8 +7286,41 @@
             </a:r>
             <a:r>
               <a:rPr lang="ru-RU" dirty="0" smtClean="0"/>
-              <a:t>разработано очень много занимательных моделей которые сами обучаются, например учатся ходить, играть в компьютерные игры, рисовать, общаться с людьми.</a:t>
-            </a:r>
+              <a:t>есть </a:t>
+            </a:r>
+            <a:r>
+              <a:rPr lang="ru-RU" dirty="0" err="1" smtClean="0"/>
+              <a:t>нейросети</a:t>
+            </a:r>
+            <a:r>
+              <a:rPr lang="ru-RU" dirty="0" smtClean="0"/>
+              <a:t>, которые </a:t>
+            </a:r>
+            <a:r>
+              <a:rPr lang="ru-RU" dirty="0" smtClean="0"/>
+              <a:t>сами </a:t>
+            </a:r>
+            <a:r>
+              <a:rPr lang="ru-RU" dirty="0" smtClean="0"/>
+              <a:t>учатся </a:t>
+            </a:r>
+            <a:r>
+              <a:rPr lang="ru-RU" dirty="0" smtClean="0"/>
+              <a:t>ходить, играть в компьютерные </a:t>
+            </a:r>
+            <a:r>
+              <a:rPr lang="ru-RU" dirty="0" smtClean="0"/>
+              <a:t>игры</a:t>
+            </a:r>
+            <a:r>
+              <a:rPr lang="en-US" dirty="0" smtClean="0"/>
+              <a:t>, </a:t>
+            </a:r>
+            <a:r>
+              <a:rPr lang="ru-RU" dirty="0" smtClean="0"/>
+              <a:t>ставить диагнозы, менять лица, генерировать голос – сфер применение очень много.</a:t>
+            </a:r>
+            <a:endParaRPr lang="ru-RU" dirty="0" smtClean="0"/>
           </a:p>
           <a:p>
             <a:pPr marL="0">
@@ -7326,17 +7328,11 @@
             </a:pPr>
             <a:r>
               <a:rPr lang="ru-RU" dirty="0" smtClean="0"/>
-              <a:t>Некоторые уже учатся водить авто транспорт.</a:t>
-            </a:r>
-            <a:endParaRPr lang="en-US" dirty="0" smtClean="0"/>
-          </a:p>
-          <a:p>
-            <a:pPr marL="0">
-              <a:buNone/>
-            </a:pPr>
+              <a:t>Профессии</a:t>
+            </a:r>
             <a:r>
               <a:rPr lang="ru-RU" dirty="0" smtClean="0"/>
-              <a:t>Профессии:</a:t>
+              <a:t>:</a:t>
             </a:r>
           </a:p>
           <a:p>
@@ -7372,7 +7368,7 @@
       </p:sp>
       <p:pic>
         <p:nvPicPr>
-          <p:cNvPr id="1026" name="Picture 2" descr="C:\Users\Егор\Downloads\Без названия.jpg"/>
+          <p:cNvPr id="1029" name="Picture 5" descr="C:\Users\Егор\Downloads\cockpit-autonomous-car-self-driving-vehicle-artificial-intelligence-on-the-road-head-up-display-hud-and-various-information-vehicle-interior_126283-514.jpg"/>
           <p:cNvPicPr>
             <a:picLocks noChangeAspect="1" noChangeArrowheads="1"/>
           </p:cNvPicPr>
@@ -7387,14 +7383,14 @@
         </p:blipFill>
         <p:spPr bwMode="auto">
           <a:xfrm>
-            <a:off x="7832943" y="866048"/>
-            <a:ext cx="3556276" cy="1722916"/>
+            <a:off x="5545328" y="4487042"/>
+            <a:ext cx="3210483" cy="2005270"/>
           </a:xfrm>
           <a:prstGeom prst="rect">
             <a:avLst/>
           </a:prstGeom>
           <a:noFill/>
-          <a:ln w="19050">
+          <a:ln>
             <a:solidFill>
               <a:schemeClr val="accent1"/>
             </a:solidFill>
@@ -7403,7 +7399,7 @@
       </p:pic>
       <p:pic>
         <p:nvPicPr>
-          <p:cNvPr id="1027" name="Picture 3" descr="C:\Users\Егор\Downloads\bvious-ai-art-la-edmond-de-belamy-top-crop.jpg"/>
+          <p:cNvPr id="5" name="Picture 3" descr="C:\Users\Егор\Desktop\1_YEtU76mmV0WAMf8aFhFSDQ.png"/>
           <p:cNvPicPr>
             <a:picLocks noChangeAspect="1" noChangeArrowheads="1"/>
           </p:cNvPicPr>
@@ -7418,23 +7414,18 @@
         </p:blipFill>
         <p:spPr bwMode="auto">
           <a:xfrm>
-            <a:off x="8369302" y="2813592"/>
-            <a:ext cx="2931404" cy="1648241"/>
+            <a:off x="6042116" y="1428539"/>
+            <a:ext cx="3852382" cy="1926191"/>
           </a:xfrm>
           <a:prstGeom prst="rect">
             <a:avLst/>
           </a:prstGeom>
           <a:noFill/>
-          <a:ln w="19050">
-            <a:solidFill>
-              <a:schemeClr val="accent1"/>
-            </a:solidFill>
-          </a:ln>
         </p:spPr>
       </p:pic>
       <p:pic>
         <p:nvPicPr>
-          <p:cNvPr id="1028" name="Picture 4" descr="C:\Users\Егор\Downloads\iskusstvennyy-intellekt-nauchilsya-khodit-begat-i-prygat_1507954081-b.jpg"/>
+          <p:cNvPr id="6" name="Picture 4" descr="C:\Users\Егор\Desktop\f9126325726f89cede1e0ec2c3f8e501.jpg"/>
           <p:cNvPicPr>
             <a:picLocks noChangeAspect="1" noChangeArrowheads="1"/>
           </p:cNvPicPr>
@@ -7449,49 +7440,13 @@
         </p:blipFill>
         <p:spPr bwMode="auto">
           <a:xfrm>
-            <a:off x="6320565" y="2221926"/>
-            <a:ext cx="2723026" cy="1512792"/>
+            <a:off x="8830723" y="3457816"/>
+            <a:ext cx="3159993" cy="1496839"/>
           </a:xfrm>
           <a:prstGeom prst="rect">
             <a:avLst/>
           </a:prstGeom>
           <a:noFill/>
-          <a:ln w="19050">
-            <a:solidFill>
-              <a:schemeClr val="accent1"/>
-            </a:solidFill>
-          </a:ln>
-        </p:spPr>
-      </p:pic>
-      <p:pic>
-        <p:nvPicPr>
-          <p:cNvPr id="1029" name="Picture 5" descr="C:\Users\Егор\Downloads\cockpit-autonomous-car-self-driving-vehicle-artificial-intelligence-on-the-road-head-up-display-hud-and-various-information-vehicle-interior_126283-514.jpg"/>
-          <p:cNvPicPr>
-            <a:picLocks noChangeAspect="1" noChangeArrowheads="1"/>
-          </p:cNvPicPr>
-          <p:nvPr/>
-        </p:nvPicPr>
-        <p:blipFill>
-          <a:blip r:embed="rId5" cstate="print"/>
-          <a:srcRect/>
-          <a:stretch>
-            <a:fillRect/>
-          </a:stretch>
-        </p:blipFill>
-        <p:spPr bwMode="auto">
-          <a:xfrm>
-            <a:off x="6019781" y="4021215"/>
-            <a:ext cx="3642012" cy="2274803"/>
-          </a:xfrm>
-          <a:prstGeom prst="rect">
-            <a:avLst/>
-          </a:prstGeom>
-          <a:noFill/>
-          <a:ln>
-            <a:solidFill>
-              <a:schemeClr val="accent1"/>
-            </a:solidFill>
-          </a:ln>
         </p:spPr>
       </p:pic>
     </p:spTree>
@@ -7561,8 +7516,8 @@
         </p:nvSpPr>
         <p:spPr>
           <a:xfrm>
-            <a:off x="677333" y="2160589"/>
-            <a:ext cx="8554801" cy="2047854"/>
+            <a:off x="677333" y="2160588"/>
+            <a:ext cx="8554801" cy="1057065"/>
           </a:xfrm>
         </p:spPr>
         <p:txBody>
@@ -7577,7 +7532,7 @@
             </a:pPr>
             <a:r>
               <a:rPr lang="ru-RU" b="1" dirty="0" smtClean="0"/>
-              <a:t>Низкое быстродействие</a:t>
+              <a:t>Не разрабатываю графику для игр</a:t>
             </a:r>
             <a:endParaRPr lang="en-US" b="1" dirty="0" smtClean="0"/>
           </a:p>
@@ -7588,55 +7543,11 @@
             </a:pPr>
             <a:r>
               <a:rPr lang="ru-RU" b="1" dirty="0" smtClean="0"/>
-              <a:t>Нет модулей для</a:t>
-            </a:r>
-            <a:r>
-              <a:rPr lang="en-US" b="1" dirty="0" smtClean="0"/>
-              <a:t> </a:t>
+              <a:t>Нет </a:t>
             </a:r>
             <a:r>
               <a:rPr lang="ru-RU" b="1" dirty="0" smtClean="0"/>
-              <a:t>разработки 3</a:t>
-            </a:r>
-            <a:r>
-              <a:rPr lang="en-US" b="1" dirty="0" smtClean="0"/>
-              <a:t>D </a:t>
-            </a:r>
-            <a:r>
-              <a:rPr lang="ru-RU" b="1" dirty="0" smtClean="0"/>
-              <a:t>игр</a:t>
-            </a:r>
-            <a:endParaRPr lang="en-US" b="1" dirty="0" smtClean="0"/>
-          </a:p>
-          <a:p>
-            <a:pPr marL="0" indent="342000">
-              <a:buFont typeface="Wingdings"/>
-              <a:buChar char="Ø"/>
-            </a:pPr>
-            <a:r>
-              <a:rPr lang="ru-RU" b="1" dirty="0" smtClean="0"/>
-              <a:t>Нет хороших модулей для разработки приложений на мобильные</a:t>
-            </a:r>
-            <a:endParaRPr lang="en-US" b="1" dirty="0" smtClean="0"/>
-          </a:p>
-          <a:p>
-            <a:pPr marL="0" indent="342000">
-              <a:buNone/>
-            </a:pPr>
-            <a:r>
-              <a:rPr lang="ru-RU" b="1" dirty="0" smtClean="0"/>
-              <a:t>устройства</a:t>
-            </a:r>
-            <a:endParaRPr lang="en-US" b="1" dirty="0" smtClean="0"/>
-          </a:p>
-          <a:p>
-            <a:pPr marL="0" indent="342000">
-              <a:buFont typeface="Wingdings"/>
-              <a:buChar char="Ø"/>
-            </a:pPr>
-            <a:r>
-              <a:rPr lang="ru-RU" b="1" dirty="0" smtClean="0"/>
-              <a:t>Динамическая типизация</a:t>
+              <a:t>разрабатывают приложения на смартфоны</a:t>
             </a:r>
             <a:endParaRPr lang="en-US" b="1" dirty="0" smtClean="0"/>
           </a:p>
@@ -7651,7 +7562,7 @@
     </p:spTree>
     <p:extLst>
       <p:ext uri="{BB962C8B-B14F-4D97-AF65-F5344CB8AC3E}">
-        <p14:creationId xmlns:p14="http://schemas.microsoft.com/office/powerpoint/2010/main" xmlns="" val="3810257109"/>
+        <p14:creationId xmlns="" xmlns:p14="http://schemas.microsoft.com/office/powerpoint/2010/main" val="3810257109"/>
       </p:ext>
     </p:extLst>
   </p:cSld>
@@ -7737,7 +7648,11 @@
             </a:pPr>
             <a:r>
               <a:rPr lang="ru-RU" dirty="0" smtClean="0"/>
-              <a:t>Хороший помощник в обучении</a:t>
+              <a:t>Хороший </a:t>
+            </a:r>
+            <a:r>
+              <a:rPr lang="ru-RU" dirty="0" smtClean="0"/>
+              <a:t>стартовый язык программирования</a:t>
             </a:r>
           </a:p>
           <a:p>
@@ -7747,13 +7662,16 @@
             </a:pPr>
             <a:r>
               <a:rPr lang="ru-RU" dirty="0" smtClean="0"/>
-              <a:t>На нем можно разработать </a:t>
+              <a:t>Пригодиться </a:t>
             </a:r>
             <a:r>
               <a:rPr lang="ru-RU" dirty="0" smtClean="0"/>
-              <a:t>приложения с графическим интерфейсом</a:t>
-            </a:r>
-            <a:endParaRPr lang="ru-RU" dirty="0" smtClean="0"/>
+              <a:t>в будущей </a:t>
+            </a:r>
+            <a:r>
+              <a:rPr lang="ru-RU" dirty="0" smtClean="0"/>
+              <a:t>профессии</a:t>
+            </a:r>
           </a:p>
           <a:p>
             <a:pPr>
@@ -7762,365 +7680,13 @@
             </a:pPr>
             <a:r>
               <a:rPr lang="ru-RU" dirty="0" smtClean="0"/>
-              <a:t>Можно </a:t>
-            </a:r>
-            <a:r>
-              <a:rPr lang="ru-RU" dirty="0" smtClean="0"/>
-              <a:t>писать 2</a:t>
-            </a:r>
-            <a:r>
-              <a:rPr lang="en-US" dirty="0" smtClean="0"/>
-              <a:t>D</a:t>
-            </a:r>
-            <a:r>
-              <a:rPr lang="ru-RU" dirty="0" smtClean="0"/>
-              <a:t> </a:t>
-            </a:r>
-            <a:r>
-              <a:rPr lang="ru-RU" dirty="0" smtClean="0"/>
-              <a:t>игры</a:t>
-            </a:r>
-            <a:endParaRPr lang="en-US" dirty="0" smtClean="0"/>
-          </a:p>
-          <a:p>
-            <a:pPr>
-              <a:buFont typeface="Wingdings"/>
-              <a:buChar char="Ø"/>
-            </a:pPr>
-            <a:r>
-              <a:rPr lang="ru-RU" dirty="0" smtClean="0"/>
-              <a:t>Пригодиться Вам в будущей </a:t>
-            </a:r>
-            <a:r>
-              <a:rPr lang="ru-RU" dirty="0" smtClean="0"/>
-              <a:t>профессии</a:t>
+              <a:t>Широкая сфера применения</a:t>
             </a:r>
             <a:endParaRPr lang="ru-RU" dirty="0" smtClean="0"/>
           </a:p>
-          <a:p>
-            <a:pPr>
-              <a:buFont typeface="Wingdings"/>
-              <a:buChar char="Ø"/>
-            </a:pPr>
-            <a:r>
-              <a:rPr lang="ru-RU" dirty="0" smtClean="0"/>
-              <a:t>С </a:t>
-            </a:r>
-            <a:r>
-              <a:rPr lang="en-US" dirty="0" smtClean="0"/>
-              <a:t>python </a:t>
-            </a:r>
-            <a:r>
-              <a:rPr lang="ru-RU" dirty="0" smtClean="0"/>
-              <a:t>гораздо легче осваивать </a:t>
-            </a:r>
-            <a:r>
-              <a:rPr lang="ru-RU" dirty="0" smtClean="0"/>
-              <a:t>другие языки программирования</a:t>
-            </a:r>
-            <a:endParaRPr lang="ru-RU" dirty="0" smtClean="0"/>
-          </a:p>
         </p:txBody>
       </p:sp>
     </p:spTree>
-  </p:cSld>
-  <p:clrMapOvr>
-    <a:masterClrMapping/>
-  </p:clrMapOvr>
-</p:sld>
-</file>
-
-<file path=ppt/slides/slide17.xml><?xml version="1.0" encoding="utf-8"?>
-<p:sld xmlns:a="http://schemas.openxmlformats.org/drawingml/2006/main" xmlns:r="http://schemas.openxmlformats.org/officeDocument/2006/relationships" xmlns:p="http://schemas.openxmlformats.org/presentationml/2006/main">
-  <p:cSld>
-    <p:spTree>
-      <p:nvGrpSpPr>
-        <p:cNvPr id="1" name=""/>
-        <p:cNvGrpSpPr/>
-        <p:nvPr/>
-      </p:nvGrpSpPr>
-      <p:grpSpPr>
-        <a:xfrm>
-          <a:off x="0" y="0"/>
-          <a:ext cx="0" cy="0"/>
-          <a:chOff x="0" y="0"/>
-          <a:chExt cx="0" cy="0"/>
-        </a:xfrm>
-      </p:grpSpPr>
-      <p:sp>
-        <p:nvSpPr>
-          <p:cNvPr id="2" name="Заголовок 1"/>
-          <p:cNvSpPr>
-            <a:spLocks noGrp="1"/>
-          </p:cNvSpPr>
-          <p:nvPr>
-            <p:ph type="ctrTitle"/>
-          </p:nvPr>
-        </p:nvSpPr>
-        <p:spPr>
-          <a:xfrm>
-            <a:off x="3617259" y="2963538"/>
-            <a:ext cx="5350471" cy="848299"/>
-          </a:xfrm>
-        </p:spPr>
-        <p:txBody>
-          <a:bodyPr/>
-          <a:lstStyle/>
-          <a:p>
-            <a:r>
-              <a:rPr lang="en-US" dirty="0" smtClean="0"/>
-              <a:t>Hello program</a:t>
-            </a:r>
-            <a:endParaRPr lang="ru-RU" dirty="0"/>
-          </a:p>
-        </p:txBody>
-      </p:sp>
-      <p:pic>
-        <p:nvPicPr>
-          <p:cNvPr id="5" name="Picture 2" descr="C:\Users\Егор\Desktop\arkhivchik\transparent.png"/>
-          <p:cNvPicPr>
-            <a:picLocks noChangeAspect="1" noChangeArrowheads="1"/>
-          </p:cNvPicPr>
-          <p:nvPr/>
-        </p:nvPicPr>
-        <p:blipFill>
-          <a:blip r:embed="rId2" cstate="print"/>
-          <a:srcRect/>
-          <a:stretch>
-            <a:fillRect/>
-          </a:stretch>
-        </p:blipFill>
-        <p:spPr bwMode="auto">
-          <a:xfrm>
-            <a:off x="1148041" y="2471526"/>
-            <a:ext cx="1882371" cy="1875022"/>
-          </a:xfrm>
-          <a:prstGeom prst="rect">
-            <a:avLst/>
-          </a:prstGeom>
-          <a:noFill/>
-        </p:spPr>
-      </p:pic>
-    </p:spTree>
-    <p:extLst>
-      <p:ext uri="{BB962C8B-B14F-4D97-AF65-F5344CB8AC3E}">
-        <p14:creationId xmlns:p14="http://schemas.microsoft.com/office/powerpoint/2010/main" xmlns="" val="4136021445"/>
-      </p:ext>
-    </p:extLst>
-  </p:cSld>
-  <p:clrMapOvr>
-    <a:masterClrMapping/>
-  </p:clrMapOvr>
-  <p:timing>
-    <p:tnLst>
-      <p:par>
-        <p:cTn id="1" dur="indefinite" restart="never" nodeType="tmRoot"/>
-      </p:par>
-    </p:tnLst>
-  </p:timing>
-</p:sld>
-</file>
-
-<file path=ppt/slides/slide18.xml><?xml version="1.0" encoding="utf-8"?>
-<p:sld xmlns:a="http://schemas.openxmlformats.org/drawingml/2006/main" xmlns:r="http://schemas.openxmlformats.org/officeDocument/2006/relationships" xmlns:p="http://schemas.openxmlformats.org/presentationml/2006/main">
-  <p:cSld>
-    <p:spTree>
-      <p:nvGrpSpPr>
-        <p:cNvPr id="1" name=""/>
-        <p:cNvGrpSpPr/>
-        <p:nvPr/>
-      </p:nvGrpSpPr>
-      <p:grpSpPr>
-        <a:xfrm>
-          <a:off x="0" y="0"/>
-          <a:ext cx="0" cy="0"/>
-          <a:chOff x="0" y="0"/>
-          <a:chExt cx="0" cy="0"/>
-        </a:xfrm>
-      </p:grpSpPr>
-      <p:sp>
-        <p:nvSpPr>
-          <p:cNvPr id="2" name="Заголовок 1"/>
-          <p:cNvSpPr>
-            <a:spLocks noGrp="1"/>
-          </p:cNvSpPr>
-          <p:nvPr>
-            <p:ph type="title"/>
-          </p:nvPr>
-        </p:nvSpPr>
-        <p:spPr/>
-        <p:txBody>
-          <a:bodyPr/>
-          <a:lstStyle/>
-          <a:p>
-            <a:r>
-              <a:rPr lang="ru-RU" dirty="0"/>
-              <a:t>План</a:t>
-            </a:r>
-          </a:p>
-        </p:txBody>
-      </p:sp>
-      <p:sp>
-        <p:nvSpPr>
-          <p:cNvPr id="3" name="Объект 2"/>
-          <p:cNvSpPr>
-            <a:spLocks noGrp="1"/>
-          </p:cNvSpPr>
-          <p:nvPr>
-            <p:ph idx="1"/>
-          </p:nvPr>
-        </p:nvSpPr>
-        <p:spPr/>
-        <p:txBody>
-          <a:bodyPr/>
-          <a:lstStyle/>
-          <a:p>
-            <a:r>
-              <a:rPr lang="ru-RU" dirty="0"/>
-              <a:t>Как писать комментарии</a:t>
-            </a:r>
-            <a:r>
-              <a:rPr lang="ru-RU" dirty="0" smtClean="0"/>
-              <a:t>.</a:t>
-            </a:r>
-          </a:p>
-          <a:p>
-            <a:r>
-              <a:rPr lang="ru-RU" dirty="0" smtClean="0"/>
-              <a:t>Куда </a:t>
-            </a:r>
-            <a:r>
-              <a:rPr lang="ru-RU" dirty="0"/>
-              <a:t>можно выводить информацию</a:t>
-            </a:r>
-            <a:r>
-              <a:rPr lang="ru-RU" dirty="0" smtClean="0"/>
-              <a:t>.</a:t>
-            </a:r>
-          </a:p>
-          <a:p>
-            <a:r>
-              <a:rPr lang="ru-RU" dirty="0" smtClean="0"/>
-              <a:t>Написание первой программы.</a:t>
-            </a:r>
-            <a:endParaRPr lang="ru-RU" dirty="0"/>
-          </a:p>
-        </p:txBody>
-      </p:sp>
-    </p:spTree>
-    <p:extLst>
-      <p:ext uri="{BB962C8B-B14F-4D97-AF65-F5344CB8AC3E}">
-        <p14:creationId xmlns:p14="http://schemas.microsoft.com/office/powerpoint/2010/main" xmlns="" val="1653447933"/>
-      </p:ext>
-    </p:extLst>
-  </p:cSld>
-  <p:clrMapOvr>
-    <a:masterClrMapping/>
-  </p:clrMapOvr>
-  <p:timing>
-    <p:tnLst>
-      <p:par>
-        <p:cTn id="1" dur="indefinite" restart="never" nodeType="tmRoot"/>
-      </p:par>
-    </p:tnLst>
-  </p:timing>
-</p:sld>
-</file>
-
-<file path=ppt/slides/slide19.xml><?xml version="1.0" encoding="utf-8"?>
-<p:sld xmlns:a="http://schemas.openxmlformats.org/drawingml/2006/main" xmlns:r="http://schemas.openxmlformats.org/officeDocument/2006/relationships" xmlns:p="http://schemas.openxmlformats.org/presentationml/2006/main">
-  <p:cSld>
-    <p:spTree>
-      <p:nvGrpSpPr>
-        <p:cNvPr id="1" name=""/>
-        <p:cNvGrpSpPr/>
-        <p:nvPr/>
-      </p:nvGrpSpPr>
-      <p:grpSpPr>
-        <a:xfrm>
-          <a:off x="0" y="0"/>
-          <a:ext cx="0" cy="0"/>
-          <a:chOff x="0" y="0"/>
-          <a:chExt cx="0" cy="0"/>
-        </a:xfrm>
-      </p:grpSpPr>
-      <p:sp>
-        <p:nvSpPr>
-          <p:cNvPr id="2" name="Заголовок 1"/>
-          <p:cNvSpPr>
-            <a:spLocks noGrp="1"/>
-          </p:cNvSpPr>
-          <p:nvPr>
-            <p:ph type="title"/>
-          </p:nvPr>
-        </p:nvSpPr>
-        <p:spPr>
-          <a:xfrm>
-            <a:off x="677334" y="609600"/>
-            <a:ext cx="8596668" cy="650488"/>
-          </a:xfrm>
-        </p:spPr>
-        <p:txBody>
-          <a:bodyPr/>
-          <a:lstStyle/>
-          <a:p>
-            <a:r>
-              <a:rPr lang="ru-RU" dirty="0"/>
-              <a:t>Первая программа</a:t>
-            </a:r>
-          </a:p>
-        </p:txBody>
-      </p:sp>
-      <p:sp>
-        <p:nvSpPr>
-          <p:cNvPr id="3" name="Объект 2"/>
-          <p:cNvSpPr>
-            <a:spLocks noGrp="1"/>
-          </p:cNvSpPr>
-          <p:nvPr>
-            <p:ph idx="1"/>
-          </p:nvPr>
-        </p:nvSpPr>
-        <p:spPr>
-          <a:xfrm>
-            <a:off x="677334" y="2160589"/>
-            <a:ext cx="8596668" cy="761031"/>
-          </a:xfrm>
-        </p:spPr>
-        <p:txBody>
-          <a:bodyPr/>
-          <a:lstStyle/>
-          <a:p>
-            <a:r>
-              <a:rPr lang="ru-RU" dirty="0" smtClean="0"/>
-              <a:t>Мы напишем нашу первую программу на </a:t>
-            </a:r>
-            <a:r>
-              <a:rPr lang="en-US" dirty="0" smtClean="0"/>
-              <a:t>Python</a:t>
-            </a:r>
-            <a:r>
-              <a:rPr lang="ru-RU" dirty="0" smtClean="0"/>
-              <a:t>,</a:t>
-            </a:r>
-            <a:r>
-              <a:rPr lang="en-US" dirty="0" smtClean="0"/>
-              <a:t> </a:t>
-            </a:r>
-            <a:r>
-              <a:rPr lang="ru-RU" dirty="0" smtClean="0"/>
-              <a:t>которая принимает имя пользователя и потом приветствует его по имени</a:t>
-            </a:r>
-            <a:endParaRPr lang="ru-RU" dirty="0"/>
-          </a:p>
-        </p:txBody>
-      </p:sp>
-    </p:spTree>
-    <p:extLst>
-      <p:ext uri="{BB962C8B-B14F-4D97-AF65-F5344CB8AC3E}">
-        <p14:creationId xmlns:p14="http://schemas.microsoft.com/office/powerpoint/2010/main" xmlns="" val="439089336"/>
-      </p:ext>
-    </p:extLst>
   </p:cSld>
   <p:clrMapOvr>
     <a:masterClrMapping/>
@@ -8245,2370 +7811,7 @@
     </p:spTree>
     <p:extLst>
       <p:ext uri="{BB962C8B-B14F-4D97-AF65-F5344CB8AC3E}">
-        <p14:creationId xmlns:p14="http://schemas.microsoft.com/office/powerpoint/2010/main" xmlns="" val="3502665056"/>
-      </p:ext>
-    </p:extLst>
-  </p:cSld>
-  <p:clrMapOvr>
-    <a:masterClrMapping/>
-  </p:clrMapOvr>
-  <p:timing>
-    <p:tnLst>
-      <p:par>
-        <p:cTn id="1" dur="indefinite" restart="never" nodeType="tmRoot"/>
-      </p:par>
-    </p:tnLst>
-  </p:timing>
-</p:sld>
-</file>
-
-<file path=ppt/slides/slide20.xml><?xml version="1.0" encoding="utf-8"?>
-<p:sld xmlns:a="http://schemas.openxmlformats.org/drawingml/2006/main" xmlns:r="http://schemas.openxmlformats.org/officeDocument/2006/relationships" xmlns:p="http://schemas.openxmlformats.org/presentationml/2006/main">
-  <p:cSld>
-    <p:spTree>
-      <p:nvGrpSpPr>
-        <p:cNvPr id="1" name=""/>
-        <p:cNvGrpSpPr/>
-        <p:nvPr/>
-      </p:nvGrpSpPr>
-      <p:grpSpPr>
-        <a:xfrm>
-          <a:off x="0" y="0"/>
-          <a:ext cx="0" cy="0"/>
-          <a:chOff x="0" y="0"/>
-          <a:chExt cx="0" cy="0"/>
-        </a:xfrm>
-      </p:grpSpPr>
-      <p:sp>
-        <p:nvSpPr>
-          <p:cNvPr id="2" name="Заголовок 1"/>
-          <p:cNvSpPr>
-            <a:spLocks noGrp="1"/>
-          </p:cNvSpPr>
-          <p:nvPr>
-            <p:ph type="title"/>
-          </p:nvPr>
-        </p:nvSpPr>
-        <p:spPr>
-          <a:xfrm>
-            <a:off x="677334" y="609600"/>
-            <a:ext cx="8596668" cy="739698"/>
-          </a:xfrm>
-        </p:spPr>
-        <p:txBody>
-          <a:bodyPr/>
-          <a:lstStyle/>
-          <a:p>
-            <a:r>
-              <a:rPr lang="ru-RU" dirty="0" smtClean="0"/>
-              <a:t>Подключение библиотек</a:t>
-            </a:r>
-            <a:endParaRPr lang="ru-RU" dirty="0"/>
-          </a:p>
-        </p:txBody>
-      </p:sp>
-      <p:sp>
-        <p:nvSpPr>
-          <p:cNvPr id="3" name="Объект 2"/>
-          <p:cNvSpPr>
-            <a:spLocks noGrp="1"/>
-          </p:cNvSpPr>
-          <p:nvPr>
-            <p:ph idx="1"/>
-          </p:nvPr>
-        </p:nvSpPr>
-        <p:spPr/>
-        <p:txBody>
-          <a:bodyPr/>
-          <a:lstStyle/>
-          <a:p>
-            <a:pPr>
-              <a:buFont typeface="Wingdings" panose="05000000000000000000" pitchFamily="2" charset="2"/>
-              <a:buChar char="Ø"/>
-            </a:pPr>
-            <a:r>
-              <a:rPr lang="ru-RU" dirty="0" smtClean="0"/>
-              <a:t>Библиотеки – это </a:t>
-            </a:r>
-            <a:r>
-              <a:rPr lang="ru-RU" u="sng" dirty="0" smtClean="0"/>
-              <a:t>модули</a:t>
-            </a:r>
-            <a:r>
-              <a:rPr lang="ru-RU" dirty="0" smtClean="0"/>
-              <a:t> расширяющие возможности языка, они могут содержать в себе методы для создания интерфейсов, сайтов, баз данных и много другого.</a:t>
-            </a:r>
-          </a:p>
-          <a:p>
-            <a:endParaRPr lang="ru-RU" dirty="0"/>
-          </a:p>
-          <a:p>
-            <a:pPr marL="0" indent="0">
-              <a:buNone/>
-            </a:pPr>
-            <a:r>
-              <a:rPr lang="en-US" dirty="0" smtClean="0"/>
-              <a:t>tkinter</a:t>
-            </a:r>
-            <a:r>
-              <a:rPr lang="ru-RU" dirty="0" smtClean="0"/>
-              <a:t> – модуль позволяющий создавать графические интерфейсы</a:t>
-            </a:r>
-          </a:p>
-          <a:p>
-            <a:pPr marL="0" indent="0">
-              <a:buNone/>
-            </a:pPr>
-            <a:endParaRPr lang="ru-RU" dirty="0" smtClean="0"/>
-          </a:p>
-          <a:p>
-            <a:pPr marL="0" indent="0">
-              <a:buNone/>
-            </a:pPr>
-            <a:r>
-              <a:rPr lang="en-US" dirty="0" smtClean="0">
-                <a:solidFill>
-                  <a:schemeClr val="tx2">
-                    <a:lumMod val="75000"/>
-                  </a:schemeClr>
-                </a:solidFill>
-              </a:rPr>
-              <a:t># </a:t>
-            </a:r>
-            <a:r>
-              <a:rPr lang="ru-RU" dirty="0" smtClean="0">
-                <a:solidFill>
-                  <a:schemeClr val="tx2">
-                    <a:lumMod val="75000"/>
-                  </a:schemeClr>
-                </a:solidFill>
-              </a:rPr>
-              <a:t>импортируем библиотеки</a:t>
-            </a:r>
-            <a:endParaRPr lang="ru-RU" dirty="0"/>
-          </a:p>
-          <a:p>
-            <a:pPr marL="0" indent="0">
-              <a:buNone/>
-            </a:pPr>
-            <a:r>
-              <a:rPr lang="en-US" dirty="0" smtClean="0">
-                <a:solidFill>
-                  <a:schemeClr val="accent4">
-                    <a:lumMod val="60000"/>
-                    <a:lumOff val="40000"/>
-                  </a:schemeClr>
-                </a:solidFill>
-              </a:rPr>
-              <a:t>f</a:t>
-            </a:r>
-            <a:r>
-              <a:rPr lang="en-US" dirty="0" smtClean="0">
-                <a:solidFill>
-                  <a:schemeClr val="accent4">
-                    <a:lumMod val="60000"/>
-                    <a:lumOff val="40000"/>
-                  </a:schemeClr>
-                </a:solidFill>
-              </a:rPr>
-              <a:t>rom </a:t>
-            </a:r>
-            <a:r>
-              <a:rPr lang="en-US" dirty="0" smtClean="0"/>
-              <a:t>tkinter </a:t>
-            </a:r>
-            <a:r>
-              <a:rPr lang="en-US" dirty="0" smtClean="0">
-                <a:solidFill>
-                  <a:schemeClr val="accent4">
-                    <a:lumMod val="60000"/>
-                    <a:lumOff val="40000"/>
-                  </a:schemeClr>
-                </a:solidFill>
-              </a:rPr>
-              <a:t>import</a:t>
-            </a:r>
-            <a:r>
-              <a:rPr lang="en-US" dirty="0" smtClean="0"/>
-              <a:t> *</a:t>
-            </a:r>
-            <a:endParaRPr lang="en-US" dirty="0" smtClean="0">
-              <a:solidFill>
-                <a:schemeClr val="tx2">
-                  <a:lumMod val="75000"/>
-                </a:schemeClr>
-              </a:solidFill>
-            </a:endParaRPr>
-          </a:p>
-          <a:p>
-            <a:pPr marL="0" indent="0">
-              <a:buNone/>
-            </a:pPr>
-            <a:r>
-              <a:rPr lang="en-US" dirty="0" smtClean="0">
-                <a:solidFill>
-                  <a:schemeClr val="accent4">
-                    <a:lumMod val="60000"/>
-                    <a:lumOff val="40000"/>
-                  </a:schemeClr>
-                </a:solidFill>
-              </a:rPr>
-              <a:t>from</a:t>
-            </a:r>
-            <a:r>
-              <a:rPr lang="en-US" dirty="0" smtClean="0"/>
-              <a:t> tkinter </a:t>
-            </a:r>
-            <a:r>
-              <a:rPr lang="en-US" dirty="0" smtClean="0">
-                <a:solidFill>
-                  <a:schemeClr val="accent4">
-                    <a:lumMod val="60000"/>
-                    <a:lumOff val="40000"/>
-                  </a:schemeClr>
-                </a:solidFill>
-              </a:rPr>
-              <a:t>import</a:t>
-            </a:r>
-            <a:r>
-              <a:rPr lang="en-US" dirty="0" smtClean="0"/>
-              <a:t> messagebox</a:t>
-            </a:r>
-            <a:endParaRPr lang="ru-RU" dirty="0" smtClean="0">
-              <a:solidFill>
-                <a:schemeClr val="tx2">
-                  <a:lumMod val="75000"/>
-                </a:schemeClr>
-              </a:solidFill>
-            </a:endParaRPr>
-          </a:p>
-        </p:txBody>
-      </p:sp>
-    </p:spTree>
-    <p:extLst>
-      <p:ext uri="{BB962C8B-B14F-4D97-AF65-F5344CB8AC3E}">
-        <p14:creationId xmlns:p14="http://schemas.microsoft.com/office/powerpoint/2010/main" xmlns="" val="3165943012"/>
-      </p:ext>
-    </p:extLst>
-  </p:cSld>
-  <p:clrMapOvr>
-    <a:masterClrMapping/>
-  </p:clrMapOvr>
-  <p:timing>
-    <p:tnLst>
-      <p:par>
-        <p:cTn id="1" dur="indefinite" restart="never" nodeType="tmRoot"/>
-      </p:par>
-    </p:tnLst>
-  </p:timing>
-</p:sld>
-</file>
-
-<file path=ppt/slides/slide21.xml><?xml version="1.0" encoding="utf-8"?>
-<p:sld xmlns:a="http://schemas.openxmlformats.org/drawingml/2006/main" xmlns:r="http://schemas.openxmlformats.org/officeDocument/2006/relationships" xmlns:p="http://schemas.openxmlformats.org/presentationml/2006/main">
-  <p:cSld>
-    <p:spTree>
-      <p:nvGrpSpPr>
-        <p:cNvPr id="1" name=""/>
-        <p:cNvGrpSpPr/>
-        <p:nvPr/>
-      </p:nvGrpSpPr>
-      <p:grpSpPr>
-        <a:xfrm>
-          <a:off x="0" y="0"/>
-          <a:ext cx="0" cy="0"/>
-          <a:chOff x="0" y="0"/>
-          <a:chExt cx="0" cy="0"/>
-        </a:xfrm>
-      </p:grpSpPr>
-      <p:sp>
-        <p:nvSpPr>
-          <p:cNvPr id="2" name="Заголовок 1"/>
-          <p:cNvSpPr>
-            <a:spLocks noGrp="1"/>
-          </p:cNvSpPr>
-          <p:nvPr>
-            <p:ph type="title"/>
-          </p:nvPr>
-        </p:nvSpPr>
-        <p:spPr/>
-        <p:txBody>
-          <a:bodyPr/>
-          <a:lstStyle/>
-          <a:p>
-            <a:r>
-              <a:rPr lang="ru-RU" dirty="0" smtClean="0"/>
-              <a:t>Создание переменной</a:t>
-            </a:r>
-            <a:endParaRPr lang="ru-RU" dirty="0"/>
-          </a:p>
-        </p:txBody>
-      </p:sp>
-      <p:sp>
-        <p:nvSpPr>
-          <p:cNvPr id="3" name="Объект 2"/>
-          <p:cNvSpPr>
-            <a:spLocks noGrp="1"/>
-          </p:cNvSpPr>
-          <p:nvPr>
-            <p:ph idx="1"/>
-          </p:nvPr>
-        </p:nvSpPr>
-        <p:spPr/>
-        <p:txBody>
-          <a:bodyPr/>
-          <a:lstStyle/>
-          <a:p>
-            <a:pPr>
-              <a:buFont typeface="Wingdings" panose="05000000000000000000" pitchFamily="2" charset="2"/>
-              <a:buChar char="Ø"/>
-            </a:pPr>
-            <a:r>
-              <a:rPr lang="ru-RU" dirty="0" smtClean="0"/>
-              <a:t>Переменные используются для хранения информации и позволяют удобно организовать код.</a:t>
-            </a:r>
-            <a:endParaRPr lang="en-US" dirty="0" smtClean="0"/>
-          </a:p>
-          <a:p>
-            <a:pPr marL="0" indent="0">
-              <a:buNone/>
-            </a:pPr>
-            <a:endParaRPr lang="ru-RU" dirty="0"/>
-          </a:p>
-          <a:p>
-            <a:pPr marL="0" indent="0">
-              <a:buNone/>
-            </a:pPr>
-            <a:r>
-              <a:rPr lang="en-US" dirty="0" smtClean="0"/>
-              <a:t>root </a:t>
-            </a:r>
-            <a:r>
-              <a:rPr lang="en-US" dirty="0"/>
-              <a:t>= </a:t>
-            </a:r>
-            <a:r>
-              <a:rPr lang="en-US" dirty="0" smtClean="0"/>
-              <a:t>Tk</a:t>
-            </a:r>
-            <a:r>
-              <a:rPr lang="en-US" dirty="0" smtClean="0"/>
-              <a:t>()</a:t>
-            </a:r>
-            <a:r>
-              <a:rPr lang="ru-RU" dirty="0" smtClean="0"/>
-              <a:t>	</a:t>
-            </a:r>
-            <a:r>
-              <a:rPr lang="en-US" dirty="0" smtClean="0">
-                <a:solidFill>
-                  <a:schemeClr val="tx2">
-                    <a:lumMod val="75000"/>
-                  </a:schemeClr>
-                </a:solidFill>
-              </a:rPr>
-              <a:t># </a:t>
-            </a:r>
-            <a:r>
-              <a:rPr lang="ru-RU" dirty="0" smtClean="0">
-                <a:solidFill>
-                  <a:schemeClr val="tx2">
-                    <a:lumMod val="75000"/>
-                  </a:schemeClr>
-                </a:solidFill>
-              </a:rPr>
-              <a:t>Для удобства создадим переменную</a:t>
-            </a:r>
-            <a:r>
-              <a:rPr lang="en-US" dirty="0" smtClean="0">
-                <a:solidFill>
-                  <a:schemeClr val="tx2">
-                    <a:lumMod val="75000"/>
-                  </a:schemeClr>
-                </a:solidFill>
-              </a:rPr>
-              <a:t> root									# c </a:t>
-            </a:r>
-            <a:r>
-              <a:rPr lang="ru-RU" dirty="0" smtClean="0">
-                <a:solidFill>
-                  <a:schemeClr val="tx2">
-                    <a:lumMod val="75000"/>
-                  </a:schemeClr>
-                </a:solidFill>
-              </a:rPr>
-              <a:t>конструктором</a:t>
-            </a:r>
-            <a:r>
-              <a:rPr lang="en-US" dirty="0" smtClean="0">
-                <a:solidFill>
-                  <a:schemeClr val="tx2">
-                    <a:lumMod val="75000"/>
-                  </a:schemeClr>
-                </a:solidFill>
-              </a:rPr>
-              <a:t> </a:t>
-            </a:r>
-            <a:r>
-              <a:rPr lang="ru-RU" dirty="0" smtClean="0">
-                <a:solidFill>
-                  <a:schemeClr val="tx2">
-                    <a:lumMod val="75000"/>
-                  </a:schemeClr>
-                </a:solidFill>
-              </a:rPr>
-              <a:t>графических интерфейсов </a:t>
-            </a:r>
-            <a:r>
-              <a:rPr lang="en-US" dirty="0">
-                <a:solidFill>
-                  <a:schemeClr val="tx2">
-                    <a:lumMod val="75000"/>
-                  </a:schemeClr>
-                </a:solidFill>
-              </a:rPr>
-              <a:t>Tk</a:t>
-            </a:r>
-            <a:r>
-              <a:rPr lang="en-US" dirty="0" smtClean="0">
-                <a:solidFill>
-                  <a:schemeClr val="tx2">
-                    <a:lumMod val="75000"/>
-                  </a:schemeClr>
-                </a:solidFill>
-              </a:rPr>
-              <a:t>()</a:t>
-            </a:r>
-            <a:endParaRPr lang="ru-RU" dirty="0" smtClean="0">
-              <a:solidFill>
-                <a:schemeClr val="tx2">
-                  <a:lumMod val="75000"/>
-                </a:schemeClr>
-              </a:solidFill>
-            </a:endParaRPr>
-          </a:p>
-        </p:txBody>
-      </p:sp>
-    </p:spTree>
-    <p:extLst>
-      <p:ext uri="{BB962C8B-B14F-4D97-AF65-F5344CB8AC3E}">
-        <p14:creationId xmlns:p14="http://schemas.microsoft.com/office/powerpoint/2010/main" xmlns="" val="870704519"/>
-      </p:ext>
-    </p:extLst>
-  </p:cSld>
-  <p:clrMapOvr>
-    <a:masterClrMapping/>
-  </p:clrMapOvr>
-  <p:timing>
-    <p:tnLst>
-      <p:par>
-        <p:cTn id="1" dur="indefinite" restart="never" nodeType="tmRoot"/>
-      </p:par>
-    </p:tnLst>
-  </p:timing>
-</p:sld>
-</file>
-
-<file path=ppt/slides/slide22.xml><?xml version="1.0" encoding="utf-8"?>
-<p:sld xmlns:a="http://schemas.openxmlformats.org/drawingml/2006/main" xmlns:r="http://schemas.openxmlformats.org/officeDocument/2006/relationships" xmlns:p="http://schemas.openxmlformats.org/presentationml/2006/main">
-  <p:cSld>
-    <p:spTree>
-      <p:nvGrpSpPr>
-        <p:cNvPr id="1" name=""/>
-        <p:cNvGrpSpPr/>
-        <p:nvPr/>
-      </p:nvGrpSpPr>
-      <p:grpSpPr>
-        <a:xfrm>
-          <a:off x="0" y="0"/>
-          <a:ext cx="0" cy="0"/>
-          <a:chOff x="0" y="0"/>
-          <a:chExt cx="0" cy="0"/>
-        </a:xfrm>
-      </p:grpSpPr>
-      <p:sp>
-        <p:nvSpPr>
-          <p:cNvPr id="2" name="Заголовок 1"/>
-          <p:cNvSpPr>
-            <a:spLocks noGrp="1"/>
-          </p:cNvSpPr>
-          <p:nvPr>
-            <p:ph type="title"/>
-          </p:nvPr>
-        </p:nvSpPr>
-        <p:spPr/>
-        <p:txBody>
-          <a:bodyPr/>
-          <a:lstStyle/>
-          <a:p>
-            <a:r>
-              <a:rPr lang="ru-RU" dirty="0" smtClean="0"/>
-              <a:t>Развертывание интерфейса</a:t>
-            </a:r>
-            <a:endParaRPr lang="ru-RU" dirty="0"/>
-          </a:p>
-        </p:txBody>
-      </p:sp>
-      <p:sp>
-        <p:nvSpPr>
-          <p:cNvPr id="3" name="Объект 2"/>
-          <p:cNvSpPr>
-            <a:spLocks noGrp="1"/>
-          </p:cNvSpPr>
-          <p:nvPr>
-            <p:ph idx="1"/>
-          </p:nvPr>
-        </p:nvSpPr>
-        <p:spPr/>
-        <p:txBody>
-          <a:bodyPr/>
-          <a:lstStyle/>
-          <a:p>
-            <a:pPr>
-              <a:buFont typeface="Wingdings" panose="05000000000000000000" pitchFamily="2" charset="2"/>
-              <a:buChar char="Ø"/>
-            </a:pPr>
-            <a:r>
-              <a:rPr lang="en-US" dirty="0">
-                <a:solidFill>
-                  <a:schemeClr val="tx1"/>
-                </a:solidFill>
-              </a:rPr>
-              <a:t>Mainloop – </a:t>
-            </a:r>
-            <a:r>
-              <a:rPr lang="ru-RU" dirty="0">
-                <a:solidFill>
-                  <a:schemeClr val="tx1"/>
-                </a:solidFill>
-              </a:rPr>
-              <a:t>функция для запуска созданного интерфейса</a:t>
-            </a:r>
-          </a:p>
-          <a:p>
-            <a:pPr marL="0" indent="0">
-              <a:buNone/>
-            </a:pPr>
-            <a:endParaRPr lang="ru-RU" dirty="0" smtClean="0"/>
-          </a:p>
-          <a:p>
-            <a:pPr marL="0" indent="0">
-              <a:buNone/>
-            </a:pPr>
-            <a:r>
-              <a:rPr lang="en-US" dirty="0" smtClean="0"/>
-              <a:t>root.mainloop()</a:t>
-            </a:r>
-            <a:r>
-              <a:rPr lang="ru-RU" dirty="0"/>
-              <a:t>	</a:t>
-            </a:r>
-            <a:r>
-              <a:rPr lang="en-US" dirty="0" smtClean="0">
-                <a:solidFill>
-                  <a:schemeClr val="tx2">
-                    <a:lumMod val="75000"/>
-                  </a:schemeClr>
-                </a:solidFill>
-              </a:rPr>
-              <a:t># </a:t>
-            </a:r>
-            <a:r>
-              <a:rPr lang="ru-RU" dirty="0" smtClean="0">
-                <a:solidFill>
-                  <a:schemeClr val="tx2">
-                    <a:lumMod val="75000"/>
-                  </a:schemeClr>
-                </a:solidFill>
-              </a:rPr>
-              <a:t>разворачиваем интерфейс</a:t>
-            </a:r>
-            <a:endParaRPr lang="ru-RU" dirty="0">
-              <a:solidFill>
-                <a:schemeClr val="tx2">
-                  <a:lumMod val="75000"/>
-                </a:schemeClr>
-              </a:solidFill>
-            </a:endParaRPr>
-          </a:p>
-        </p:txBody>
-      </p:sp>
-    </p:spTree>
-    <p:extLst>
-      <p:ext uri="{BB962C8B-B14F-4D97-AF65-F5344CB8AC3E}">
-        <p14:creationId xmlns:p14="http://schemas.microsoft.com/office/powerpoint/2010/main" xmlns="" val="143877574"/>
-      </p:ext>
-    </p:extLst>
-  </p:cSld>
-  <p:clrMapOvr>
-    <a:masterClrMapping/>
-  </p:clrMapOvr>
-  <p:timing>
-    <p:tnLst>
-      <p:par>
-        <p:cTn id="1" dur="indefinite" restart="never" nodeType="tmRoot"/>
-      </p:par>
-    </p:tnLst>
-  </p:timing>
-</p:sld>
-</file>
-
-<file path=ppt/slides/slide23.xml><?xml version="1.0" encoding="utf-8"?>
-<p:sld xmlns:a="http://schemas.openxmlformats.org/drawingml/2006/main" xmlns:r="http://schemas.openxmlformats.org/officeDocument/2006/relationships" xmlns:p="http://schemas.openxmlformats.org/presentationml/2006/main">
-  <p:cSld>
-    <p:spTree>
-      <p:nvGrpSpPr>
-        <p:cNvPr id="1" name=""/>
-        <p:cNvGrpSpPr/>
-        <p:nvPr/>
-      </p:nvGrpSpPr>
-      <p:grpSpPr>
-        <a:xfrm>
-          <a:off x="0" y="0"/>
-          <a:ext cx="0" cy="0"/>
-          <a:chOff x="0" y="0"/>
-          <a:chExt cx="0" cy="0"/>
-        </a:xfrm>
-      </p:grpSpPr>
-      <p:sp>
-        <p:nvSpPr>
-          <p:cNvPr id="2" name="Заголовок 1"/>
-          <p:cNvSpPr>
-            <a:spLocks noGrp="1"/>
-          </p:cNvSpPr>
-          <p:nvPr>
-            <p:ph type="title"/>
-          </p:nvPr>
-        </p:nvSpPr>
-        <p:spPr/>
-        <p:txBody>
-          <a:bodyPr/>
-          <a:lstStyle/>
-          <a:p>
-            <a:r>
-              <a:rPr lang="ru-RU" dirty="0" smtClean="0"/>
-              <a:t>Организация кода</a:t>
-            </a:r>
-            <a:endParaRPr lang="ru-RU" dirty="0"/>
-          </a:p>
-        </p:txBody>
-      </p:sp>
-      <p:sp>
-        <p:nvSpPr>
-          <p:cNvPr id="3" name="Объект 2"/>
-          <p:cNvSpPr>
-            <a:spLocks noGrp="1"/>
-          </p:cNvSpPr>
-          <p:nvPr>
-            <p:ph idx="1"/>
-          </p:nvPr>
-        </p:nvSpPr>
-        <p:spPr/>
-        <p:txBody>
-          <a:bodyPr>
-            <a:normAutofit/>
-          </a:bodyPr>
-          <a:lstStyle/>
-          <a:p>
-            <a:pPr marL="0" indent="0">
-              <a:buNone/>
-            </a:pPr>
-            <a:r>
-              <a:rPr lang="en-US" dirty="0" smtClean="0">
-                <a:solidFill>
-                  <a:schemeClr val="accent4">
-                    <a:lumMod val="60000"/>
-                    <a:lumOff val="40000"/>
-                  </a:schemeClr>
-                </a:solidFill>
-              </a:rPr>
-              <a:t>from </a:t>
-            </a:r>
-            <a:r>
-              <a:rPr lang="en-US" dirty="0" smtClean="0"/>
-              <a:t>tkinter </a:t>
-            </a:r>
-            <a:r>
-              <a:rPr lang="en-US" dirty="0" smtClean="0">
-                <a:solidFill>
-                  <a:schemeClr val="accent4">
-                    <a:lumMod val="60000"/>
-                    <a:lumOff val="40000"/>
-                  </a:schemeClr>
-                </a:solidFill>
-              </a:rPr>
-              <a:t>import</a:t>
-            </a:r>
-            <a:r>
-              <a:rPr lang="en-US" dirty="0" smtClean="0"/>
-              <a:t> *</a:t>
-            </a:r>
-            <a:endParaRPr lang="en-US" dirty="0" smtClean="0">
-              <a:solidFill>
-                <a:schemeClr val="tx2">
-                  <a:lumMod val="75000"/>
-                </a:schemeClr>
-              </a:solidFill>
-            </a:endParaRPr>
-          </a:p>
-          <a:p>
-            <a:pPr marL="0" indent="0">
-              <a:buNone/>
-            </a:pPr>
-            <a:endParaRPr lang="ru-RU" dirty="0"/>
-          </a:p>
-          <a:p>
-            <a:pPr marL="0" indent="0">
-              <a:buNone/>
-            </a:pPr>
-            <a:r>
-              <a:rPr lang="en-US" dirty="0" smtClean="0"/>
-              <a:t>root = </a:t>
-            </a:r>
-            <a:r>
-              <a:rPr lang="en-US" dirty="0" smtClean="0"/>
-              <a:t>Tk</a:t>
-            </a:r>
-            <a:r>
-              <a:rPr lang="en-US" dirty="0" smtClean="0"/>
-              <a:t>()</a:t>
-            </a:r>
-            <a:endParaRPr lang="ru-RU" dirty="0" smtClean="0"/>
-          </a:p>
-          <a:p>
-            <a:pPr marL="0" indent="0">
-              <a:buNone/>
-            </a:pPr>
-            <a:endParaRPr lang="ru-RU" i="1" dirty="0" smtClean="0">
-              <a:solidFill>
-                <a:schemeClr val="tx2">
-                  <a:lumMod val="75000"/>
-                </a:schemeClr>
-              </a:solidFill>
-            </a:endParaRPr>
-          </a:p>
-          <a:p>
-            <a:pPr marL="0" indent="0">
-              <a:buNone/>
-            </a:pPr>
-            <a:r>
-              <a:rPr lang="en-US" i="1" dirty="0" smtClean="0">
-                <a:solidFill>
-                  <a:schemeClr val="tx2">
-                    <a:lumMod val="75000"/>
-                  </a:schemeClr>
-                </a:solidFill>
-              </a:rPr>
-              <a:t># </a:t>
-            </a:r>
-            <a:r>
-              <a:rPr lang="ru-RU" i="1" dirty="0" smtClean="0">
-                <a:solidFill>
-                  <a:schemeClr val="tx2">
-                    <a:lumMod val="75000"/>
-                  </a:schemeClr>
-                </a:solidFill>
-              </a:rPr>
-              <a:t>весь написанный код будем помещать сюда</a:t>
-            </a:r>
-            <a:endParaRPr lang="ru-RU" dirty="0" smtClean="0"/>
-          </a:p>
-          <a:p>
-            <a:pPr marL="0" indent="0">
-              <a:buNone/>
-            </a:pPr>
-            <a:endParaRPr lang="ru-RU" dirty="0"/>
-          </a:p>
-          <a:p>
-            <a:pPr marL="0" indent="0">
-              <a:buNone/>
-            </a:pPr>
-            <a:r>
-              <a:rPr lang="en-US" dirty="0" smtClean="0"/>
-              <a:t>root.mainloop</a:t>
-            </a:r>
-            <a:r>
-              <a:rPr lang="en-US" dirty="0"/>
-              <a:t>()</a:t>
-            </a:r>
-            <a:endParaRPr lang="ru-RU" dirty="0"/>
-          </a:p>
-          <a:p>
-            <a:pPr marL="0" indent="0">
-              <a:buNone/>
-            </a:pPr>
-            <a:endParaRPr lang="ru-RU" dirty="0"/>
-          </a:p>
-        </p:txBody>
-      </p:sp>
-    </p:spTree>
-    <p:extLst>
-      <p:ext uri="{BB962C8B-B14F-4D97-AF65-F5344CB8AC3E}">
-        <p14:creationId xmlns:p14="http://schemas.microsoft.com/office/powerpoint/2010/main" xmlns="" val="4170141084"/>
-      </p:ext>
-    </p:extLst>
-  </p:cSld>
-  <p:clrMapOvr>
-    <a:masterClrMapping/>
-  </p:clrMapOvr>
-  <p:timing>
-    <p:tnLst>
-      <p:par>
-        <p:cTn id="1" dur="indefinite" restart="never" nodeType="tmRoot"/>
-      </p:par>
-    </p:tnLst>
-  </p:timing>
-</p:sld>
-</file>
-
-<file path=ppt/slides/slide24.xml><?xml version="1.0" encoding="utf-8"?>
-<p:sld xmlns:a="http://schemas.openxmlformats.org/drawingml/2006/main" xmlns:r="http://schemas.openxmlformats.org/officeDocument/2006/relationships" xmlns:p="http://schemas.openxmlformats.org/presentationml/2006/main">
-  <p:cSld>
-    <p:spTree>
-      <p:nvGrpSpPr>
-        <p:cNvPr id="1" name=""/>
-        <p:cNvGrpSpPr/>
-        <p:nvPr/>
-      </p:nvGrpSpPr>
-      <p:grpSpPr>
-        <a:xfrm>
-          <a:off x="0" y="0"/>
-          <a:ext cx="0" cy="0"/>
-          <a:chOff x="0" y="0"/>
-          <a:chExt cx="0" cy="0"/>
-        </a:xfrm>
-      </p:grpSpPr>
-      <p:sp>
-        <p:nvSpPr>
-          <p:cNvPr id="2" name="Заголовок 1"/>
-          <p:cNvSpPr>
-            <a:spLocks noGrp="1"/>
-          </p:cNvSpPr>
-          <p:nvPr>
-            <p:ph type="title"/>
-          </p:nvPr>
-        </p:nvSpPr>
-        <p:spPr>
-          <a:xfrm>
-            <a:off x="677334" y="609600"/>
-            <a:ext cx="8596668" cy="762000"/>
-          </a:xfrm>
-        </p:spPr>
-        <p:txBody>
-          <a:bodyPr/>
-          <a:lstStyle/>
-          <a:p>
-            <a:r>
-              <a:rPr lang="ru-RU" dirty="0" smtClean="0"/>
-              <a:t>Подключение функций</a:t>
-            </a:r>
-            <a:endParaRPr lang="ru-RU" dirty="0"/>
-          </a:p>
-        </p:txBody>
-      </p:sp>
-      <p:sp>
-        <p:nvSpPr>
-          <p:cNvPr id="3" name="Объект 2"/>
-          <p:cNvSpPr>
-            <a:spLocks noGrp="1"/>
-          </p:cNvSpPr>
-          <p:nvPr>
-            <p:ph idx="1"/>
-          </p:nvPr>
-        </p:nvSpPr>
-        <p:spPr/>
-        <p:txBody>
-          <a:bodyPr/>
-          <a:lstStyle/>
-          <a:p>
-            <a:pPr>
-              <a:buFont typeface="Wingdings" panose="05000000000000000000" pitchFamily="2" charset="2"/>
-              <a:buChar char="Ø"/>
-            </a:pPr>
-            <a:r>
-              <a:rPr lang="ru-RU" dirty="0" smtClean="0"/>
-              <a:t>Функции - это небольшие </a:t>
-            </a:r>
-            <a:r>
-              <a:rPr lang="ru-RU" u="sng" dirty="0" smtClean="0"/>
-              <a:t>подпрограммы</a:t>
-            </a:r>
-            <a:r>
-              <a:rPr lang="ru-RU" dirty="0" smtClean="0"/>
-              <a:t>, которые как то </a:t>
-            </a:r>
-            <a:r>
-              <a:rPr lang="ru-RU" u="sng" dirty="0" smtClean="0"/>
-              <a:t>преобразуют</a:t>
-            </a:r>
-            <a:r>
-              <a:rPr lang="ru-RU" dirty="0" smtClean="0"/>
-              <a:t> введенные в них данные</a:t>
-            </a:r>
-            <a:r>
-              <a:rPr lang="en-US" dirty="0" smtClean="0"/>
-              <a:t>.</a:t>
-            </a:r>
-            <a:endParaRPr lang="ru-RU" dirty="0" smtClean="0"/>
-          </a:p>
-          <a:p>
-            <a:pPr>
-              <a:buFont typeface="Wingdings" panose="05000000000000000000" pitchFamily="2" charset="2"/>
-              <a:buChar char="Ø"/>
-            </a:pPr>
-            <a:endParaRPr lang="ru-RU" dirty="0"/>
-          </a:p>
-          <a:p>
-            <a:pPr marL="0" indent="0">
-              <a:buNone/>
-            </a:pPr>
-            <a:r>
-              <a:rPr lang="en-US" dirty="0" smtClean="0"/>
-              <a:t>title – </a:t>
-            </a:r>
-            <a:r>
-              <a:rPr lang="ru-RU" dirty="0" smtClean="0"/>
-              <a:t>функция позволяющая присваивать название раннее созданному окну</a:t>
-            </a:r>
-            <a:endParaRPr lang="en-US" dirty="0" smtClean="0"/>
-          </a:p>
-          <a:p>
-            <a:pPr marL="0" indent="0">
-              <a:buNone/>
-            </a:pPr>
-            <a:endParaRPr lang="en-US" dirty="0"/>
-          </a:p>
-          <a:p>
-            <a:pPr marL="0" indent="0">
-              <a:buNone/>
-            </a:pPr>
-            <a:r>
-              <a:rPr lang="en-US" dirty="0" smtClean="0"/>
-              <a:t>root.title(</a:t>
-            </a:r>
-            <a:r>
-              <a:rPr lang="en-US" dirty="0" smtClean="0">
-                <a:solidFill>
-                  <a:schemeClr val="accent2">
-                    <a:lumMod val="40000"/>
-                    <a:lumOff val="60000"/>
-                  </a:schemeClr>
-                </a:solidFill>
-              </a:rPr>
-              <a:t>‘Hello </a:t>
-            </a:r>
-            <a:r>
-              <a:rPr lang="en-US" dirty="0" smtClean="0">
-                <a:solidFill>
-                  <a:schemeClr val="accent2">
-                    <a:lumMod val="40000"/>
-                    <a:lumOff val="60000"/>
-                  </a:schemeClr>
-                </a:solidFill>
-              </a:rPr>
-              <a:t>program’</a:t>
-            </a:r>
-            <a:r>
-              <a:rPr lang="en-US" dirty="0" smtClean="0">
-                <a:solidFill>
-                  <a:schemeClr val="tx1"/>
-                </a:solidFill>
-              </a:rPr>
-              <a:t>)</a:t>
-            </a:r>
-            <a:r>
-              <a:rPr lang="en-US" dirty="0"/>
-              <a:t>	</a:t>
-            </a:r>
-            <a:r>
-              <a:rPr lang="en-US" dirty="0">
-                <a:solidFill>
-                  <a:schemeClr val="tx2">
-                    <a:lumMod val="75000"/>
-                  </a:schemeClr>
-                </a:solidFill>
-              </a:rPr>
-              <a:t># </a:t>
-            </a:r>
-            <a:r>
-              <a:rPr lang="ru-RU" dirty="0">
-                <a:solidFill>
-                  <a:schemeClr val="tx2">
-                    <a:lumMod val="75000"/>
-                  </a:schemeClr>
-                </a:solidFill>
-              </a:rPr>
-              <a:t>Дадим </a:t>
-            </a:r>
-            <a:r>
-              <a:rPr lang="ru-RU" dirty="0" smtClean="0">
-                <a:solidFill>
-                  <a:schemeClr val="tx2">
-                    <a:lumMod val="75000"/>
-                  </a:schemeClr>
-                </a:solidFill>
-              </a:rPr>
-              <a:t>название программе												</a:t>
-            </a:r>
-            <a:r>
-              <a:rPr lang="en-US" dirty="0" smtClean="0">
-                <a:solidFill>
-                  <a:schemeClr val="tx2">
-                    <a:lumMod val="75000"/>
-                  </a:schemeClr>
-                </a:solidFill>
-              </a:rPr>
-              <a:t>#</a:t>
-            </a:r>
-            <a:r>
-              <a:rPr lang="ru-RU" dirty="0" smtClean="0">
-                <a:solidFill>
-                  <a:schemeClr val="tx2">
-                    <a:lumMod val="75000"/>
-                  </a:schemeClr>
-                </a:solidFill>
-              </a:rPr>
-              <a:t> </a:t>
-            </a:r>
-            <a:r>
-              <a:rPr lang="ru-RU" dirty="0">
-                <a:solidFill>
-                  <a:schemeClr val="tx2">
-                    <a:lumMod val="75000"/>
-                  </a:schemeClr>
-                </a:solidFill>
-              </a:rPr>
-              <a:t>через</a:t>
-            </a:r>
-            <a:r>
-              <a:rPr lang="en-US" dirty="0" smtClean="0">
-                <a:solidFill>
-                  <a:schemeClr val="tx2">
-                    <a:lumMod val="75000"/>
-                  </a:schemeClr>
-                </a:solidFill>
-              </a:rPr>
-              <a:t> </a:t>
-            </a:r>
-            <a:r>
-              <a:rPr lang="ru-RU" dirty="0">
-                <a:solidFill>
-                  <a:schemeClr val="tx2">
-                    <a:lumMod val="75000"/>
-                  </a:schemeClr>
-                </a:solidFill>
-              </a:rPr>
-              <a:t>функцию </a:t>
-            </a:r>
-            <a:r>
-              <a:rPr lang="en-US" dirty="0" smtClean="0">
-                <a:solidFill>
-                  <a:schemeClr val="tx2">
-                    <a:lumMod val="75000"/>
-                  </a:schemeClr>
-                </a:solidFill>
-              </a:rPr>
-              <a:t>title</a:t>
-            </a:r>
-            <a:endParaRPr lang="ru-RU" dirty="0" smtClean="0">
-              <a:solidFill>
-                <a:schemeClr val="tx2">
-                  <a:lumMod val="75000"/>
-                </a:schemeClr>
-              </a:solidFill>
-            </a:endParaRPr>
-          </a:p>
-        </p:txBody>
-      </p:sp>
-    </p:spTree>
-    <p:extLst>
-      <p:ext uri="{BB962C8B-B14F-4D97-AF65-F5344CB8AC3E}">
-        <p14:creationId xmlns:p14="http://schemas.microsoft.com/office/powerpoint/2010/main" xmlns="" val="1270164686"/>
-      </p:ext>
-    </p:extLst>
-  </p:cSld>
-  <p:clrMapOvr>
-    <a:masterClrMapping/>
-  </p:clrMapOvr>
-  <p:timing>
-    <p:tnLst>
-      <p:par>
-        <p:cTn id="1" dur="indefinite" restart="never" nodeType="tmRoot"/>
-      </p:par>
-    </p:tnLst>
-  </p:timing>
-</p:sld>
-</file>
-
-<file path=ppt/slides/slide25.xml><?xml version="1.0" encoding="utf-8"?>
-<p:sld xmlns:a="http://schemas.openxmlformats.org/drawingml/2006/main" xmlns:r="http://schemas.openxmlformats.org/officeDocument/2006/relationships" xmlns:p="http://schemas.openxmlformats.org/presentationml/2006/main">
-  <p:cSld>
-    <p:spTree>
-      <p:nvGrpSpPr>
-        <p:cNvPr id="1" name=""/>
-        <p:cNvGrpSpPr/>
-        <p:nvPr/>
-      </p:nvGrpSpPr>
-      <p:grpSpPr>
-        <a:xfrm>
-          <a:off x="0" y="0"/>
-          <a:ext cx="0" cy="0"/>
-          <a:chOff x="0" y="0"/>
-          <a:chExt cx="0" cy="0"/>
-        </a:xfrm>
-      </p:grpSpPr>
-      <p:sp>
-        <p:nvSpPr>
-          <p:cNvPr id="2" name="Заголовок 1"/>
-          <p:cNvSpPr>
-            <a:spLocks noGrp="1"/>
-          </p:cNvSpPr>
-          <p:nvPr>
-            <p:ph type="title"/>
-          </p:nvPr>
-        </p:nvSpPr>
-        <p:spPr>
-          <a:xfrm>
-            <a:off x="677334" y="609600"/>
-            <a:ext cx="8596668" cy="706244"/>
-          </a:xfrm>
-        </p:spPr>
-        <p:txBody>
-          <a:bodyPr>
-            <a:normAutofit/>
-          </a:bodyPr>
-          <a:lstStyle/>
-          <a:p>
-            <a:r>
-              <a:rPr lang="ru-RU" sz="3200" dirty="0"/>
-              <a:t>Н</a:t>
-            </a:r>
-            <a:r>
-              <a:rPr lang="ru-RU" sz="3200" dirty="0" smtClean="0"/>
-              <a:t>азвание строки</a:t>
-            </a:r>
-            <a:endParaRPr lang="ru-RU" sz="3200" dirty="0"/>
-          </a:p>
-        </p:txBody>
-      </p:sp>
-      <p:sp>
-        <p:nvSpPr>
-          <p:cNvPr id="3" name="Объект 2"/>
-          <p:cNvSpPr>
-            <a:spLocks noGrp="1"/>
-          </p:cNvSpPr>
-          <p:nvPr>
-            <p:ph idx="1"/>
-          </p:nvPr>
-        </p:nvSpPr>
-        <p:spPr>
-          <a:xfrm>
-            <a:off x="677334" y="1717289"/>
-            <a:ext cx="8596668" cy="2369970"/>
-          </a:xfrm>
-        </p:spPr>
-        <p:txBody>
-          <a:bodyPr>
-            <a:normAutofit/>
-          </a:bodyPr>
-          <a:lstStyle/>
-          <a:p>
-            <a:pPr marL="0" indent="0">
-              <a:buNone/>
-            </a:pPr>
-            <a:r>
-              <a:rPr lang="en-US" dirty="0" smtClean="0"/>
-              <a:t>Label – </a:t>
-            </a:r>
-            <a:r>
-              <a:rPr lang="ru-RU" dirty="0" smtClean="0"/>
-              <a:t>функция для присваивания названия строки</a:t>
-            </a:r>
-            <a:endParaRPr lang="en-US" dirty="0"/>
-          </a:p>
-          <a:p>
-            <a:pPr marL="0" indent="0">
-              <a:buNone/>
-            </a:pPr>
-            <a:endParaRPr lang="ru-RU" dirty="0"/>
-          </a:p>
-          <a:p>
-            <a:pPr marL="0" indent="0">
-              <a:buNone/>
-            </a:pPr>
-            <a:r>
-              <a:rPr lang="en-US" dirty="0" smtClean="0"/>
-              <a:t>name_label </a:t>
-            </a:r>
-            <a:r>
-              <a:rPr lang="en-US" dirty="0" smtClean="0"/>
-              <a:t>= Label(</a:t>
-            </a:r>
-            <a:r>
-              <a:rPr lang="en-US" dirty="0" smtClean="0">
-                <a:solidFill>
-                  <a:schemeClr val="accent5">
-                    <a:lumMod val="60000"/>
-                    <a:lumOff val="40000"/>
-                  </a:schemeClr>
-                </a:solidFill>
-              </a:rPr>
-              <a:t>text</a:t>
-            </a:r>
-            <a:r>
-              <a:rPr lang="en-US" dirty="0"/>
-              <a:t>=</a:t>
-            </a:r>
-            <a:r>
-              <a:rPr lang="en-US" dirty="0">
-                <a:solidFill>
-                  <a:schemeClr val="accent2">
-                    <a:lumMod val="40000"/>
-                    <a:lumOff val="60000"/>
-                  </a:schemeClr>
-                </a:solidFill>
-              </a:rPr>
-              <a:t>'</a:t>
-            </a:r>
-            <a:r>
-              <a:rPr lang="ru-RU" dirty="0">
-                <a:solidFill>
-                  <a:schemeClr val="accent2">
-                    <a:lumMod val="40000"/>
-                    <a:lumOff val="60000"/>
-                  </a:schemeClr>
-                </a:solidFill>
-              </a:rPr>
-              <a:t>Как тебя зовут</a:t>
-            </a:r>
-            <a:r>
-              <a:rPr lang="ru-RU" dirty="0" smtClean="0">
-                <a:solidFill>
-                  <a:schemeClr val="accent2">
-                    <a:lumMod val="40000"/>
-                    <a:lumOff val="60000"/>
-                  </a:schemeClr>
-                </a:solidFill>
-              </a:rPr>
-              <a:t>?'</a:t>
-            </a:r>
-            <a:r>
-              <a:rPr lang="ru-RU" dirty="0" smtClean="0"/>
-              <a:t>)	</a:t>
-            </a:r>
-            <a:r>
-              <a:rPr lang="en-US" i="1" dirty="0" smtClean="0">
-                <a:solidFill>
-                  <a:schemeClr val="tx2">
-                    <a:lumMod val="75000"/>
-                  </a:schemeClr>
-                </a:solidFill>
-              </a:rPr>
-              <a:t># </a:t>
-            </a:r>
-            <a:r>
-              <a:rPr lang="ru-RU" i="1" dirty="0" smtClean="0">
-                <a:solidFill>
-                  <a:schemeClr val="tx2">
-                    <a:lumMod val="75000"/>
-                  </a:schemeClr>
-                </a:solidFill>
-              </a:rPr>
-              <a:t>создадим </a:t>
-            </a:r>
-            <a:r>
-              <a:rPr lang="ru-RU" i="1" dirty="0" smtClean="0">
-                <a:solidFill>
-                  <a:schemeClr val="tx2">
-                    <a:lumMod val="75000"/>
-                  </a:schemeClr>
-                </a:solidFill>
-              </a:rPr>
-              <a:t>не 															</a:t>
-            </a:r>
-            <a:r>
-              <a:rPr lang="en-US" i="1" dirty="0" smtClean="0">
-                <a:solidFill>
-                  <a:schemeClr val="tx2">
-                    <a:lumMod val="75000"/>
-                  </a:schemeClr>
-                </a:solidFill>
-              </a:rPr>
-              <a:t># </a:t>
-            </a:r>
-            <a:r>
-              <a:rPr lang="ru-RU" i="1" dirty="0" smtClean="0">
-                <a:solidFill>
-                  <a:schemeClr val="tx2">
-                    <a:lumMod val="75000"/>
-                  </a:schemeClr>
-                </a:solidFill>
-              </a:rPr>
-              <a:t>редактируемую строку </a:t>
-            </a:r>
-            <a:r>
-              <a:rPr lang="en-US" i="1" dirty="0" smtClean="0">
-                <a:solidFill>
-                  <a:schemeClr val="tx2">
-                    <a:lumMod val="75000"/>
-                  </a:schemeClr>
-                </a:solidFill>
-              </a:rPr>
-              <a:t>												# </a:t>
-            </a:r>
-            <a:r>
-              <a:rPr lang="ru-RU" i="1" dirty="0" smtClean="0">
-                <a:solidFill>
-                  <a:schemeClr val="tx2">
-                    <a:lumMod val="75000"/>
-                  </a:schemeClr>
-                </a:solidFill>
-              </a:rPr>
-              <a:t>и переименуем её</a:t>
-            </a:r>
-            <a:endParaRPr lang="en-US" dirty="0"/>
-          </a:p>
-        </p:txBody>
-      </p:sp>
-    </p:spTree>
-    <p:extLst>
-      <p:ext uri="{BB962C8B-B14F-4D97-AF65-F5344CB8AC3E}">
-        <p14:creationId xmlns:p14="http://schemas.microsoft.com/office/powerpoint/2010/main" xmlns="" val="23547335"/>
-      </p:ext>
-    </p:extLst>
-  </p:cSld>
-  <p:clrMapOvr>
-    <a:masterClrMapping/>
-  </p:clrMapOvr>
-  <p:timing>
-    <p:tnLst>
-      <p:par>
-        <p:cTn id="1" dur="indefinite" restart="never" nodeType="tmRoot"/>
-      </p:par>
-    </p:tnLst>
-  </p:timing>
-</p:sld>
-</file>
-
-<file path=ppt/slides/slide26.xml><?xml version="1.0" encoding="utf-8"?>
-<p:sld xmlns:a="http://schemas.openxmlformats.org/drawingml/2006/main" xmlns:r="http://schemas.openxmlformats.org/officeDocument/2006/relationships" xmlns:p="http://schemas.openxmlformats.org/presentationml/2006/main">
-  <p:cSld>
-    <p:spTree>
-      <p:nvGrpSpPr>
-        <p:cNvPr id="1" name=""/>
-        <p:cNvGrpSpPr/>
-        <p:nvPr/>
-      </p:nvGrpSpPr>
-      <p:grpSpPr>
-        <a:xfrm>
-          <a:off x="0" y="0"/>
-          <a:ext cx="0" cy="0"/>
-          <a:chOff x="0" y="0"/>
-          <a:chExt cx="0" cy="0"/>
-        </a:xfrm>
-      </p:grpSpPr>
-      <p:sp>
-        <p:nvSpPr>
-          <p:cNvPr id="2" name="Заголовок 1"/>
-          <p:cNvSpPr>
-            <a:spLocks noGrp="1"/>
-          </p:cNvSpPr>
-          <p:nvPr>
-            <p:ph type="title"/>
-          </p:nvPr>
-        </p:nvSpPr>
-        <p:spPr/>
-        <p:txBody>
-          <a:bodyPr/>
-          <a:lstStyle/>
-          <a:p>
-            <a:r>
-              <a:rPr lang="ru-RU" dirty="0" smtClean="0"/>
-              <a:t>Размещение объекта</a:t>
-            </a:r>
-            <a:endParaRPr lang="ru-RU" dirty="0"/>
-          </a:p>
-        </p:txBody>
-      </p:sp>
-      <p:sp>
-        <p:nvSpPr>
-          <p:cNvPr id="3" name="Объект 2"/>
-          <p:cNvSpPr>
-            <a:spLocks noGrp="1"/>
-          </p:cNvSpPr>
-          <p:nvPr>
-            <p:ph idx="1"/>
-          </p:nvPr>
-        </p:nvSpPr>
-        <p:spPr/>
-        <p:txBody>
-          <a:bodyPr/>
-          <a:lstStyle/>
-          <a:p>
-            <a:pPr marL="0" indent="0">
-              <a:buNone/>
-            </a:pPr>
-            <a:r>
-              <a:rPr lang="en-US" dirty="0" smtClean="0">
-                <a:solidFill>
-                  <a:schemeClr val="tx1"/>
-                </a:solidFill>
-              </a:rPr>
-              <a:t>Grid –</a:t>
-            </a:r>
-            <a:r>
-              <a:rPr lang="ru-RU" dirty="0" smtClean="0">
-                <a:solidFill>
-                  <a:schemeClr val="tx1"/>
-                </a:solidFill>
-              </a:rPr>
-              <a:t> функция для</a:t>
-            </a:r>
-            <a:r>
-              <a:rPr lang="en-US" dirty="0" smtClean="0">
-                <a:solidFill>
-                  <a:schemeClr val="tx1"/>
-                </a:solidFill>
-              </a:rPr>
-              <a:t> </a:t>
-            </a:r>
-            <a:r>
-              <a:rPr lang="ru-RU" dirty="0" smtClean="0">
-                <a:solidFill>
-                  <a:schemeClr val="tx1"/>
-                </a:solidFill>
-              </a:rPr>
-              <a:t>размещения </a:t>
-            </a:r>
-            <a:r>
-              <a:rPr lang="ru-RU" dirty="0" smtClean="0">
-                <a:solidFill>
-                  <a:schemeClr val="tx1"/>
-                </a:solidFill>
-              </a:rPr>
-              <a:t>объекта</a:t>
-            </a:r>
-            <a:endParaRPr lang="en-US" dirty="0" smtClean="0">
-              <a:solidFill>
-                <a:schemeClr val="tx1"/>
-              </a:solidFill>
-            </a:endParaRPr>
-          </a:p>
-          <a:p>
-            <a:pPr marL="0" indent="0">
-              <a:buNone/>
-            </a:pPr>
-            <a:endParaRPr lang="en-US" i="1" dirty="0" smtClean="0">
-              <a:solidFill>
-                <a:schemeClr val="tx2">
-                  <a:lumMod val="75000"/>
-                </a:schemeClr>
-              </a:solidFill>
-            </a:endParaRPr>
-          </a:p>
-          <a:p>
-            <a:pPr marL="0" indent="0">
-              <a:buNone/>
-            </a:pPr>
-            <a:r>
-              <a:rPr lang="en-US" dirty="0" smtClean="0"/>
-              <a:t>name_label.pack(</a:t>
-            </a:r>
-            <a:r>
-              <a:rPr lang="en-US" dirty="0" smtClean="0">
-                <a:solidFill>
-                  <a:schemeClr val="accent5">
-                    <a:lumMod val="60000"/>
-                    <a:lumOff val="40000"/>
-                  </a:schemeClr>
-                </a:solidFill>
-              </a:rPr>
-              <a:t>side</a:t>
-            </a:r>
-            <a:r>
-              <a:rPr lang="en-US" dirty="0" smtClean="0">
-                <a:solidFill>
-                  <a:schemeClr val="tx1"/>
-                </a:solidFill>
-              </a:rPr>
-              <a:t>=LEFT</a:t>
-            </a:r>
-            <a:r>
-              <a:rPr lang="ru-RU" dirty="0" smtClean="0"/>
-              <a:t>)</a:t>
-            </a:r>
-            <a:r>
-              <a:rPr lang="ru-RU" dirty="0"/>
-              <a:t>	</a:t>
-            </a:r>
-            <a:r>
-              <a:rPr lang="en-US" i="1" dirty="0">
-                <a:solidFill>
-                  <a:schemeClr val="tx2">
-                    <a:lumMod val="75000"/>
-                  </a:schemeClr>
-                </a:solidFill>
-              </a:rPr>
-              <a:t># </a:t>
-            </a:r>
-            <a:r>
-              <a:rPr lang="ru-RU" i="1" dirty="0">
-                <a:solidFill>
-                  <a:schemeClr val="tx2">
-                    <a:lumMod val="75000"/>
-                  </a:schemeClr>
-                </a:solidFill>
-              </a:rPr>
-              <a:t>указываем адрес строки и </a:t>
-            </a:r>
-            <a:r>
-              <a:rPr lang="ru-RU" i="1" dirty="0" smtClean="0">
-                <a:solidFill>
-                  <a:schemeClr val="tx2">
-                    <a:lumMod val="75000"/>
-                  </a:schemeClr>
-                </a:solidFill>
-              </a:rPr>
-              <a:t>колонки</a:t>
-            </a:r>
-            <a:endParaRPr lang="ru-RU" i="1" dirty="0">
-              <a:solidFill>
-                <a:schemeClr val="tx2">
-                  <a:lumMod val="75000"/>
-                </a:schemeClr>
-              </a:solidFill>
-            </a:endParaRPr>
-          </a:p>
-        </p:txBody>
-      </p:sp>
-    </p:spTree>
-    <p:extLst>
-      <p:ext uri="{BB962C8B-B14F-4D97-AF65-F5344CB8AC3E}">
-        <p14:creationId xmlns:p14="http://schemas.microsoft.com/office/powerpoint/2010/main" xmlns="" val="3102008876"/>
-      </p:ext>
-    </p:extLst>
-  </p:cSld>
-  <p:clrMapOvr>
-    <a:masterClrMapping/>
-  </p:clrMapOvr>
-  <p:timing>
-    <p:tnLst>
-      <p:par>
-        <p:cTn id="1" dur="indefinite" restart="never" nodeType="tmRoot"/>
-      </p:par>
-    </p:tnLst>
-  </p:timing>
-</p:sld>
-</file>
-
-<file path=ppt/slides/slide27.xml><?xml version="1.0" encoding="utf-8"?>
-<p:sld xmlns:a="http://schemas.openxmlformats.org/drawingml/2006/main" xmlns:r="http://schemas.openxmlformats.org/officeDocument/2006/relationships" xmlns:p="http://schemas.openxmlformats.org/presentationml/2006/main">
-  <p:cSld>
-    <p:spTree>
-      <p:nvGrpSpPr>
-        <p:cNvPr id="1" name=""/>
-        <p:cNvGrpSpPr/>
-        <p:nvPr/>
-      </p:nvGrpSpPr>
-      <p:grpSpPr>
-        <a:xfrm>
-          <a:off x="0" y="0"/>
-          <a:ext cx="0" cy="0"/>
-          <a:chOff x="0" y="0"/>
-          <a:chExt cx="0" cy="0"/>
-        </a:xfrm>
-      </p:grpSpPr>
-      <p:sp>
-        <p:nvSpPr>
-          <p:cNvPr id="2" name="Заголовок 1"/>
-          <p:cNvSpPr>
-            <a:spLocks noGrp="1"/>
-          </p:cNvSpPr>
-          <p:nvPr>
-            <p:ph type="title"/>
-          </p:nvPr>
-        </p:nvSpPr>
-        <p:spPr/>
-        <p:txBody>
-          <a:bodyPr/>
-          <a:lstStyle/>
-          <a:p>
-            <a:r>
-              <a:rPr lang="ru-RU" dirty="0" smtClean="0"/>
-              <a:t>Ввод данных</a:t>
-            </a:r>
-            <a:endParaRPr lang="ru-RU" dirty="0"/>
-          </a:p>
-        </p:txBody>
-      </p:sp>
-      <p:sp>
-        <p:nvSpPr>
-          <p:cNvPr id="3" name="Объект 2"/>
-          <p:cNvSpPr>
-            <a:spLocks noGrp="1"/>
-          </p:cNvSpPr>
-          <p:nvPr>
-            <p:ph idx="1"/>
-          </p:nvPr>
-        </p:nvSpPr>
-        <p:spPr/>
-        <p:txBody>
-          <a:bodyPr/>
-          <a:lstStyle/>
-          <a:p>
-            <a:pPr marL="0" indent="0">
-              <a:buNone/>
-            </a:pPr>
-            <a:r>
-              <a:rPr lang="en-US" dirty="0" smtClean="0"/>
-              <a:t>Entry – </a:t>
-            </a:r>
-            <a:r>
-              <a:rPr lang="ru-RU" dirty="0" smtClean="0"/>
-              <a:t>создает ячейку для ввода данных пользователем </a:t>
-            </a:r>
-          </a:p>
-          <a:p>
-            <a:pPr marL="0" indent="0">
-              <a:buNone/>
-            </a:pPr>
-            <a:endParaRPr lang="ru-RU" dirty="0"/>
-          </a:p>
-          <a:p>
-            <a:pPr marL="0" indent="0">
-              <a:buNone/>
-            </a:pPr>
-            <a:r>
-              <a:rPr lang="en-US" dirty="0" smtClean="0"/>
-              <a:t>name_entry </a:t>
-            </a:r>
-            <a:r>
-              <a:rPr lang="en-US" dirty="0"/>
-              <a:t>= </a:t>
-            </a:r>
-            <a:r>
-              <a:rPr lang="en-US" dirty="0" smtClean="0"/>
-              <a:t>Entry</a:t>
-            </a:r>
-            <a:r>
-              <a:rPr lang="en-US" dirty="0" smtClean="0"/>
-              <a:t>()</a:t>
-            </a:r>
-            <a:r>
-              <a:rPr lang="en-US" dirty="0"/>
-              <a:t>	</a:t>
-            </a:r>
-            <a:r>
-              <a:rPr lang="en-US" dirty="0" smtClean="0"/>
-              <a:t>		</a:t>
-            </a:r>
-            <a:r>
-              <a:rPr lang="en-US" dirty="0" smtClean="0">
-                <a:solidFill>
-                  <a:schemeClr val="tx2">
-                    <a:lumMod val="75000"/>
-                  </a:schemeClr>
-                </a:solidFill>
-              </a:rPr>
-              <a:t># </a:t>
-            </a:r>
-            <a:r>
-              <a:rPr lang="ru-RU" dirty="0" smtClean="0">
-                <a:solidFill>
-                  <a:schemeClr val="tx2">
-                    <a:lumMod val="75000"/>
-                  </a:schemeClr>
-                </a:solidFill>
-              </a:rPr>
-              <a:t>создаем переменную для </a:t>
-            </a:r>
-            <a:r>
-              <a:rPr lang="ru-RU" dirty="0" smtClean="0">
-                <a:solidFill>
-                  <a:schemeClr val="tx2">
-                    <a:lumMod val="75000"/>
-                  </a:schemeClr>
-                </a:solidFill>
-              </a:rPr>
-              <a:t>ввода</a:t>
-            </a:r>
-            <a:r>
-              <a:rPr lang="en-US" dirty="0"/>
-              <a:t/>
-            </a:r>
-            <a:br>
-              <a:rPr lang="en-US" dirty="0"/>
-            </a:br>
-            <a:r>
-              <a:rPr lang="en-US" dirty="0" smtClean="0"/>
-              <a:t>name_entry.pack(</a:t>
-            </a:r>
-            <a:r>
-              <a:rPr lang="en-US" dirty="0" smtClean="0">
-                <a:solidFill>
-                  <a:schemeClr val="accent5">
-                    <a:lumMod val="60000"/>
-                    <a:lumOff val="40000"/>
-                  </a:schemeClr>
-                </a:solidFill>
-              </a:rPr>
-              <a:t>side</a:t>
-            </a:r>
-            <a:r>
-              <a:rPr lang="en-US" dirty="0" smtClean="0">
-                <a:solidFill>
-                  <a:schemeClr val="tx1"/>
-                </a:solidFill>
-              </a:rPr>
-              <a:t>=LEFT</a:t>
-            </a:r>
-            <a:r>
-              <a:rPr lang="ru-RU" dirty="0" smtClean="0"/>
-              <a:t>)</a:t>
-            </a:r>
-            <a:r>
-              <a:rPr lang="en-US" dirty="0"/>
-              <a:t>	</a:t>
-            </a:r>
-            <a:r>
-              <a:rPr lang="en-US" dirty="0" smtClean="0">
-                <a:solidFill>
-                  <a:schemeClr val="tx2">
-                    <a:lumMod val="75000"/>
-                  </a:schemeClr>
-                </a:solidFill>
-              </a:rPr>
-              <a:t># </a:t>
-            </a:r>
-            <a:r>
-              <a:rPr lang="ru-RU" dirty="0">
-                <a:solidFill>
-                  <a:schemeClr val="tx2">
-                    <a:lumMod val="75000"/>
-                  </a:schemeClr>
-                </a:solidFill>
-              </a:rPr>
-              <a:t>размещаем переменную</a:t>
-            </a:r>
-          </a:p>
-          <a:p>
-            <a:pPr marL="0" indent="0">
-              <a:buNone/>
-            </a:pPr>
-            <a:endParaRPr lang="ru-RU" dirty="0"/>
-          </a:p>
-        </p:txBody>
-      </p:sp>
-    </p:spTree>
-    <p:extLst>
-      <p:ext uri="{BB962C8B-B14F-4D97-AF65-F5344CB8AC3E}">
-        <p14:creationId xmlns:p14="http://schemas.microsoft.com/office/powerpoint/2010/main" xmlns="" val="3475576987"/>
-      </p:ext>
-    </p:extLst>
-  </p:cSld>
-  <p:clrMapOvr>
-    <a:masterClrMapping/>
-  </p:clrMapOvr>
-  <p:timing>
-    <p:tnLst>
-      <p:par>
-        <p:cTn id="1" dur="indefinite" restart="never" nodeType="tmRoot"/>
-      </p:par>
-    </p:tnLst>
-  </p:timing>
-</p:sld>
-</file>
-
-<file path=ppt/slides/slide28.xml><?xml version="1.0" encoding="utf-8"?>
-<p:sld xmlns:a="http://schemas.openxmlformats.org/drawingml/2006/main" xmlns:r="http://schemas.openxmlformats.org/officeDocument/2006/relationships" xmlns:p="http://schemas.openxmlformats.org/presentationml/2006/main">
-  <p:cSld>
-    <p:spTree>
-      <p:nvGrpSpPr>
-        <p:cNvPr id="1" name=""/>
-        <p:cNvGrpSpPr/>
-        <p:nvPr/>
-      </p:nvGrpSpPr>
-      <p:grpSpPr>
-        <a:xfrm>
-          <a:off x="0" y="0"/>
-          <a:ext cx="0" cy="0"/>
-          <a:chOff x="0" y="0"/>
-          <a:chExt cx="0" cy="0"/>
-        </a:xfrm>
-      </p:grpSpPr>
-      <p:sp>
-        <p:nvSpPr>
-          <p:cNvPr id="2" name="Заголовок 1"/>
-          <p:cNvSpPr>
-            <a:spLocks noGrp="1"/>
-          </p:cNvSpPr>
-          <p:nvPr>
-            <p:ph type="title"/>
-          </p:nvPr>
-        </p:nvSpPr>
-        <p:spPr/>
-        <p:txBody>
-          <a:bodyPr/>
-          <a:lstStyle/>
-          <a:p>
-            <a:r>
-              <a:rPr lang="ru-RU" dirty="0" smtClean="0"/>
-              <a:t>Создание кнопок</a:t>
-            </a:r>
-            <a:endParaRPr lang="ru-RU" dirty="0"/>
-          </a:p>
-        </p:txBody>
-      </p:sp>
-      <p:sp>
-        <p:nvSpPr>
-          <p:cNvPr id="3" name="Объект 2"/>
-          <p:cNvSpPr>
-            <a:spLocks noGrp="1"/>
-          </p:cNvSpPr>
-          <p:nvPr>
-            <p:ph idx="1"/>
-          </p:nvPr>
-        </p:nvSpPr>
-        <p:spPr>
-          <a:xfrm>
-            <a:off x="677334" y="1839951"/>
-            <a:ext cx="8596668" cy="4505092"/>
-          </a:xfrm>
-        </p:spPr>
-        <p:txBody>
-          <a:bodyPr>
-            <a:normAutofit/>
-          </a:bodyPr>
-          <a:lstStyle/>
-          <a:p>
-            <a:pPr marL="0" indent="0">
-              <a:buNone/>
-            </a:pPr>
-            <a:r>
-              <a:rPr lang="en-US" dirty="0" smtClean="0"/>
-              <a:t>Button – </a:t>
-            </a:r>
-            <a:r>
-              <a:rPr lang="ru-RU" dirty="0" smtClean="0"/>
-              <a:t>функция для создания кнопок позволяющих выполнять команды при нажатии</a:t>
-            </a:r>
-            <a:endParaRPr lang="en-US" dirty="0" smtClean="0"/>
-          </a:p>
-          <a:p>
-            <a:pPr marL="0" indent="0">
-              <a:buNone/>
-            </a:pPr>
-            <a:endParaRPr lang="en-US" dirty="0"/>
-          </a:p>
-          <a:p>
-            <a:pPr marL="0" indent="0">
-              <a:buNone/>
-            </a:pPr>
-            <a:r>
-              <a:rPr lang="en-US" dirty="0" smtClean="0"/>
-              <a:t>display_button </a:t>
-            </a:r>
-            <a:r>
-              <a:rPr lang="en-US" dirty="0"/>
-              <a:t>= </a:t>
-            </a:r>
-            <a:r>
-              <a:rPr lang="en-US" dirty="0" smtClean="0"/>
-              <a:t>Button(</a:t>
-            </a:r>
-            <a:r>
-              <a:rPr lang="en-US" dirty="0" smtClean="0">
-                <a:solidFill>
-                  <a:schemeClr val="accent5">
-                    <a:lumMod val="60000"/>
-                    <a:lumOff val="40000"/>
-                  </a:schemeClr>
-                </a:solidFill>
-              </a:rPr>
-              <a:t>text</a:t>
-            </a:r>
-            <a:r>
-              <a:rPr lang="en-US" dirty="0"/>
-              <a:t>=</a:t>
-            </a:r>
-            <a:r>
-              <a:rPr lang="en-US" dirty="0">
-                <a:solidFill>
-                  <a:schemeClr val="accent2">
-                    <a:lumMod val="40000"/>
-                    <a:lumOff val="60000"/>
-                  </a:schemeClr>
-                </a:solidFill>
-              </a:rPr>
-              <a:t>'Enter</a:t>
-            </a:r>
-            <a:r>
-              <a:rPr lang="en-US" dirty="0" smtClean="0">
-                <a:solidFill>
-                  <a:schemeClr val="accent2">
-                    <a:lumMod val="40000"/>
-                    <a:lumOff val="60000"/>
-                  </a:schemeClr>
-                </a:solidFill>
-              </a:rPr>
-              <a:t>'</a:t>
-            </a:r>
-            <a:r>
-              <a:rPr lang="en-US" dirty="0" smtClean="0"/>
-              <a:t>,</a:t>
-            </a:r>
-            <a:r>
-              <a:rPr lang="en-US" i="1" dirty="0" smtClean="0">
-                <a:solidFill>
-                  <a:schemeClr val="tx2">
-                    <a:lumMod val="75000"/>
-                  </a:schemeClr>
-                </a:solidFill>
-              </a:rPr>
-              <a:t> </a:t>
-            </a:r>
-            <a:r>
-              <a:rPr lang="en-US" dirty="0" smtClean="0">
-                <a:solidFill>
-                  <a:schemeClr val="accent5">
-                    <a:lumMod val="60000"/>
-                    <a:lumOff val="40000"/>
-                  </a:schemeClr>
-                </a:solidFill>
-              </a:rPr>
-              <a:t>command</a:t>
-            </a:r>
-            <a:r>
-              <a:rPr lang="en-US" dirty="0" smtClean="0"/>
-              <a:t>=display)</a:t>
-            </a:r>
-            <a:r>
-              <a:rPr lang="en-US" dirty="0"/>
-              <a:t/>
-            </a:r>
-            <a:br>
-              <a:rPr lang="en-US" dirty="0"/>
-            </a:br>
-            <a:r>
-              <a:rPr lang="en-US" dirty="0" smtClean="0"/>
-              <a:t>display_button.pack(</a:t>
-            </a:r>
-            <a:r>
-              <a:rPr lang="en-US" dirty="0" smtClean="0">
-                <a:solidFill>
-                  <a:schemeClr val="accent5">
-                    <a:lumMod val="60000"/>
-                    <a:lumOff val="40000"/>
-                  </a:schemeClr>
-                </a:solidFill>
-              </a:rPr>
-              <a:t>side</a:t>
-            </a:r>
-            <a:r>
-              <a:rPr lang="en-US" dirty="0" smtClean="0">
-                <a:solidFill>
-                  <a:schemeClr val="tx1"/>
-                </a:solidFill>
-              </a:rPr>
-              <a:t>=LEFT</a:t>
-            </a:r>
-            <a:r>
-              <a:rPr lang="ru-RU" dirty="0" smtClean="0"/>
-              <a:t>)</a:t>
-            </a:r>
-            <a:endParaRPr lang="en-US" i="1" dirty="0" smtClean="0">
-              <a:solidFill>
-                <a:schemeClr val="tx2">
-                  <a:lumMod val="75000"/>
-                </a:schemeClr>
-              </a:solidFill>
-            </a:endParaRPr>
-          </a:p>
-        </p:txBody>
-      </p:sp>
-    </p:spTree>
-    <p:extLst>
-      <p:ext uri="{BB962C8B-B14F-4D97-AF65-F5344CB8AC3E}">
-        <p14:creationId xmlns:p14="http://schemas.microsoft.com/office/powerpoint/2010/main" xmlns="" val="2109913950"/>
-      </p:ext>
-    </p:extLst>
-  </p:cSld>
-  <p:clrMapOvr>
-    <a:masterClrMapping/>
-  </p:clrMapOvr>
-  <p:timing>
-    <p:tnLst>
-      <p:par>
-        <p:cTn id="1" dur="indefinite" restart="never" nodeType="tmRoot"/>
-      </p:par>
-    </p:tnLst>
-  </p:timing>
-</p:sld>
-</file>
-
-<file path=ppt/slides/slide29.xml><?xml version="1.0" encoding="utf-8"?>
-<p:sld xmlns:a="http://schemas.openxmlformats.org/drawingml/2006/main" xmlns:r="http://schemas.openxmlformats.org/officeDocument/2006/relationships" xmlns:p="http://schemas.openxmlformats.org/presentationml/2006/main">
-  <p:cSld>
-    <p:spTree>
-      <p:nvGrpSpPr>
-        <p:cNvPr id="1" name=""/>
-        <p:cNvGrpSpPr/>
-        <p:nvPr/>
-      </p:nvGrpSpPr>
-      <p:grpSpPr>
-        <a:xfrm>
-          <a:off x="0" y="0"/>
-          <a:ext cx="0" cy="0"/>
-          <a:chOff x="0" y="0"/>
-          <a:chExt cx="0" cy="0"/>
-        </a:xfrm>
-      </p:grpSpPr>
-      <p:sp>
-        <p:nvSpPr>
-          <p:cNvPr id="2" name="Заголовок 1"/>
-          <p:cNvSpPr>
-            <a:spLocks noGrp="1"/>
-          </p:cNvSpPr>
-          <p:nvPr>
-            <p:ph type="title"/>
-          </p:nvPr>
-        </p:nvSpPr>
-        <p:spPr/>
-        <p:txBody>
-          <a:bodyPr/>
-          <a:lstStyle/>
-          <a:p>
-            <a:r>
-              <a:rPr lang="ru-RU" dirty="0" smtClean="0"/>
-              <a:t>Создание функции</a:t>
-            </a:r>
-            <a:endParaRPr lang="ru-RU" dirty="0"/>
-          </a:p>
-        </p:txBody>
-      </p:sp>
-      <p:sp>
-        <p:nvSpPr>
-          <p:cNvPr id="3" name="Объект 2"/>
-          <p:cNvSpPr>
-            <a:spLocks noGrp="1"/>
-          </p:cNvSpPr>
-          <p:nvPr>
-            <p:ph idx="1"/>
-          </p:nvPr>
-        </p:nvSpPr>
-        <p:spPr>
-          <a:xfrm>
-            <a:off x="677333" y="1616927"/>
-            <a:ext cx="9237847" cy="4424435"/>
-          </a:xfrm>
-        </p:spPr>
-        <p:txBody>
-          <a:bodyPr>
-            <a:normAutofit/>
-          </a:bodyPr>
-          <a:lstStyle/>
-          <a:p>
-            <a:pPr>
-              <a:buFont typeface="Wingdings" panose="05000000000000000000" pitchFamily="2" charset="2"/>
-              <a:buChar char="Ø"/>
-            </a:pPr>
-            <a:r>
-              <a:rPr lang="ru-RU" dirty="0" smtClean="0"/>
-              <a:t>Необходимые функции, не предусмотренные в библиотеках, можно создавать самому</a:t>
-            </a:r>
-          </a:p>
-          <a:p>
-            <a:pPr marL="0" indent="0">
-              <a:buNone/>
-            </a:pPr>
-            <a:endParaRPr lang="ru-RU" dirty="0"/>
-          </a:p>
-          <a:p>
-            <a:pPr marL="0" indent="0">
-              <a:buNone/>
-            </a:pPr>
-            <a:r>
-              <a:rPr lang="ru-RU" dirty="0" smtClean="0"/>
-              <a:t>Заранее создадим функцию, которая понадобится нам далее</a:t>
-            </a:r>
-          </a:p>
-          <a:p>
-            <a:pPr marL="0" indent="0">
-              <a:buNone/>
-            </a:pPr>
-            <a:endParaRPr lang="ru-RU" dirty="0"/>
-          </a:p>
-          <a:p>
-            <a:pPr marL="0" indent="0">
-              <a:buNone/>
-            </a:pPr>
-            <a:r>
-              <a:rPr lang="en-US" dirty="0">
-                <a:solidFill>
-                  <a:schemeClr val="accent4">
-                    <a:lumMod val="60000"/>
-                    <a:lumOff val="40000"/>
-                  </a:schemeClr>
-                </a:solidFill>
-              </a:rPr>
-              <a:t>def</a:t>
-            </a:r>
-            <a:r>
-              <a:rPr lang="en-US" dirty="0"/>
-              <a:t> display</a:t>
-            </a:r>
-            <a:r>
-              <a:rPr lang="en-US" dirty="0" smtClean="0"/>
-              <a:t>():</a:t>
-            </a:r>
-          </a:p>
-          <a:p>
-            <a:pPr marL="0" indent="0">
-              <a:buNone/>
-            </a:pPr>
-            <a:r>
-              <a:rPr lang="en-US" dirty="0"/>
-              <a:t>	</a:t>
-            </a:r>
-            <a:r>
-              <a:rPr lang="en-US" dirty="0" smtClean="0">
-                <a:solidFill>
-                  <a:schemeClr val="accent1">
-                    <a:lumMod val="60000"/>
-                    <a:lumOff val="40000"/>
-                  </a:schemeClr>
-                </a:solidFill>
-              </a:rPr>
-              <a:t>‘‘‘ </a:t>
-            </a:r>
-            <a:r>
-              <a:rPr lang="ru-RU" dirty="0" smtClean="0">
-                <a:solidFill>
-                  <a:schemeClr val="accent1">
-                    <a:lumMod val="60000"/>
-                    <a:lumOff val="40000"/>
-                  </a:schemeClr>
-                </a:solidFill>
-              </a:rPr>
-              <a:t>Функция для вывода сообщения</a:t>
-            </a:r>
-            <a:r>
-              <a:rPr lang="en-US" dirty="0" smtClean="0">
-                <a:solidFill>
-                  <a:schemeClr val="accent1">
-                    <a:lumMod val="60000"/>
-                    <a:lumOff val="40000"/>
-                  </a:schemeClr>
-                </a:solidFill>
-              </a:rPr>
-              <a:t> ’’’</a:t>
-            </a:r>
-            <a:endParaRPr lang="ru-RU" dirty="0" smtClean="0">
-              <a:solidFill>
-                <a:schemeClr val="accent1">
-                  <a:lumMod val="60000"/>
-                  <a:lumOff val="40000"/>
-                </a:schemeClr>
-              </a:solidFill>
-            </a:endParaRPr>
-          </a:p>
-          <a:p>
-            <a:pPr marL="0" indent="0">
-              <a:buNone/>
-            </a:pPr>
-            <a:endParaRPr lang="en-US" dirty="0" smtClean="0">
-              <a:solidFill>
-                <a:schemeClr val="accent4">
-                  <a:lumMod val="40000"/>
-                  <a:lumOff val="60000"/>
-                </a:schemeClr>
-              </a:solidFill>
-            </a:endParaRPr>
-          </a:p>
-          <a:p>
-            <a:pPr marL="0" indent="0">
-              <a:buNone/>
-            </a:pPr>
-            <a:r>
-              <a:rPr lang="en-US" dirty="0"/>
-              <a:t>	</a:t>
-            </a:r>
-            <a:r>
-              <a:rPr lang="en-US" dirty="0" smtClean="0"/>
-              <a:t>messagebox.showinfo</a:t>
-            </a:r>
-            <a:r>
-              <a:rPr lang="en-US" dirty="0" smtClean="0"/>
-              <a:t>(</a:t>
-            </a:r>
-            <a:r>
-              <a:rPr lang="en-US" dirty="0" smtClean="0">
-                <a:solidFill>
-                  <a:schemeClr val="accent2">
-                    <a:lumMod val="40000"/>
-                    <a:lumOff val="60000"/>
-                  </a:schemeClr>
-                </a:solidFill>
-              </a:rPr>
-              <a:t>‘</a:t>
-            </a:r>
-            <a:r>
-              <a:rPr lang="ru-RU" dirty="0" smtClean="0">
-                <a:solidFill>
-                  <a:schemeClr val="accent2">
-                    <a:lumMod val="40000"/>
-                    <a:lumOff val="60000"/>
-                  </a:schemeClr>
-                </a:solidFill>
-              </a:rPr>
-              <a:t>Окно приветствия</a:t>
-            </a:r>
-            <a:r>
-              <a:rPr lang="en-US" dirty="0" smtClean="0">
-                <a:solidFill>
-                  <a:schemeClr val="accent2">
-                    <a:lumMod val="40000"/>
-                    <a:lumOff val="60000"/>
-                  </a:schemeClr>
-                </a:solidFill>
-              </a:rPr>
-              <a:t>’</a:t>
-            </a:r>
-            <a:r>
-              <a:rPr lang="ru-RU" dirty="0" smtClean="0"/>
-              <a:t>, 	</a:t>
-            </a:r>
-            <a:r>
-              <a:rPr lang="en-US" dirty="0" smtClean="0">
-                <a:solidFill>
-                  <a:schemeClr val="accent2">
-                    <a:lumMod val="40000"/>
-                    <a:lumOff val="60000"/>
-                  </a:schemeClr>
-                </a:solidFill>
-              </a:rPr>
-              <a:t>‘</a:t>
-            </a:r>
-            <a:r>
-              <a:rPr lang="ru-RU" dirty="0" smtClean="0">
-                <a:solidFill>
-                  <a:schemeClr val="accent2">
-                    <a:lumMod val="40000"/>
-                    <a:lumOff val="60000"/>
-                  </a:schemeClr>
-                </a:solidFill>
-              </a:rPr>
-              <a:t>Привет</a:t>
-            </a:r>
-            <a:r>
-              <a:rPr lang="en-US" dirty="0" smtClean="0">
-                <a:solidFill>
-                  <a:schemeClr val="accent2">
-                    <a:lumMod val="40000"/>
-                    <a:lumOff val="60000"/>
-                  </a:schemeClr>
-                </a:solidFill>
-              </a:rPr>
-              <a:t>, </a:t>
-            </a:r>
-            <a:r>
-              <a:rPr lang="en-US" dirty="0" smtClean="0">
-                <a:solidFill>
-                  <a:schemeClr val="accent2">
-                    <a:lumMod val="40000"/>
-                    <a:lumOff val="60000"/>
-                  </a:schemeClr>
-                </a:solidFill>
-              </a:rPr>
-              <a:t>’</a:t>
-            </a:r>
-            <a:r>
-              <a:rPr lang="en-US" dirty="0" smtClean="0">
-                <a:solidFill>
-                  <a:schemeClr val="accent2">
-                    <a:lumMod val="40000"/>
-                    <a:lumOff val="60000"/>
-                  </a:schemeClr>
-                </a:solidFill>
-              </a:rPr>
-              <a:t> </a:t>
-            </a:r>
-            <a:r>
-              <a:rPr lang="en-US" dirty="0" smtClean="0">
-                <a:solidFill>
-                  <a:schemeClr val="tx1"/>
-                </a:solidFill>
-              </a:rPr>
-              <a:t>+</a:t>
-            </a:r>
-            <a:r>
-              <a:rPr lang="ru-RU" dirty="0" smtClean="0">
-                <a:solidFill>
-                  <a:schemeClr val="accent2">
-                    <a:lumMod val="40000"/>
-                    <a:lumOff val="60000"/>
-                  </a:schemeClr>
-                </a:solidFill>
-              </a:rPr>
-              <a:t> </a:t>
-            </a:r>
-            <a:r>
-              <a:rPr lang="en-US" dirty="0" smtClean="0"/>
-              <a:t>name_entry.get()</a:t>
-            </a:r>
-            <a:r>
-              <a:rPr lang="en-US" dirty="0" smtClean="0">
-                <a:solidFill>
-                  <a:schemeClr val="accent4">
-                    <a:lumMod val="40000"/>
-                    <a:lumOff val="60000"/>
-                  </a:schemeClr>
-                </a:solidFill>
-              </a:rPr>
-              <a:t> </a:t>
-            </a:r>
-            <a:r>
-              <a:rPr lang="en-US" dirty="0" smtClean="0">
-                <a:solidFill>
-                  <a:schemeClr val="tx1"/>
-                </a:solidFill>
-              </a:rPr>
-              <a:t>+</a:t>
-            </a:r>
-            <a:r>
-              <a:rPr lang="en-US" dirty="0" smtClean="0">
-                <a:solidFill>
-                  <a:schemeClr val="accent4">
-                    <a:lumMod val="40000"/>
-                    <a:lumOff val="60000"/>
-                  </a:schemeClr>
-                </a:solidFill>
-              </a:rPr>
-              <a:t> </a:t>
-            </a:r>
-            <a:r>
-              <a:rPr lang="en-US" dirty="0" smtClean="0">
-                <a:solidFill>
-                  <a:schemeClr val="accent1">
-                    <a:lumMod val="60000"/>
-                    <a:lumOff val="40000"/>
-                  </a:schemeClr>
-                </a:solidFill>
-              </a:rPr>
-              <a:t>‘!’</a:t>
-            </a:r>
-            <a:r>
-              <a:rPr lang="en-US" dirty="0" smtClean="0"/>
-              <a:t>)</a:t>
-            </a:r>
-            <a:endParaRPr lang="ru-RU" dirty="0"/>
-          </a:p>
-        </p:txBody>
-      </p:sp>
-    </p:spTree>
-    <p:extLst>
-      <p:ext uri="{BB962C8B-B14F-4D97-AF65-F5344CB8AC3E}">
-        <p14:creationId xmlns:p14="http://schemas.microsoft.com/office/powerpoint/2010/main" xmlns="" val="1221863470"/>
+        <p14:creationId xmlns="" xmlns:p14="http://schemas.microsoft.com/office/powerpoint/2010/main" val="3502665056"/>
       </p:ext>
     </p:extLst>
   </p:cSld>
@@ -10842,7 +8045,7 @@
           <a:blip r:embed="rId2" cstate="print">
             <a:extLst>
               <a:ext uri="{28A0092B-C50C-407E-A947-70E740481C1C}">
-                <a14:useLocalDpi xmlns:a14="http://schemas.microsoft.com/office/drawing/2010/main" xmlns="" val="0"/>
+                <a14:useLocalDpi xmlns="" xmlns:a14="http://schemas.microsoft.com/office/drawing/2010/main" val="0"/>
               </a:ext>
             </a:extLst>
           </a:blip>
@@ -10868,346 +8071,9 @@
     </p:spTree>
     <p:extLst>
       <p:ext uri="{BB962C8B-B14F-4D97-AF65-F5344CB8AC3E}">
-        <p14:creationId xmlns:p14="http://schemas.microsoft.com/office/powerpoint/2010/main" xmlns="" val="3010055648"/>
+        <p14:creationId xmlns="" xmlns:p14="http://schemas.microsoft.com/office/powerpoint/2010/main" val="3010055648"/>
       </p:ext>
     </p:extLst>
-  </p:cSld>
-  <p:clrMapOvr>
-    <a:masterClrMapping/>
-  </p:clrMapOvr>
-  <p:timing>
-    <p:tnLst>
-      <p:par>
-        <p:cTn id="1" dur="indefinite" restart="never" nodeType="tmRoot"/>
-      </p:par>
-    </p:tnLst>
-  </p:timing>
-</p:sld>
-</file>
-
-<file path=ppt/slides/slide30.xml><?xml version="1.0" encoding="utf-8"?>
-<p:sld xmlns:a="http://schemas.openxmlformats.org/drawingml/2006/main" xmlns:r="http://schemas.openxmlformats.org/officeDocument/2006/relationships" xmlns:p="http://schemas.openxmlformats.org/presentationml/2006/main">
-  <p:cSld>
-    <p:spTree>
-      <p:nvGrpSpPr>
-        <p:cNvPr id="1" name=""/>
-        <p:cNvGrpSpPr/>
-        <p:nvPr/>
-      </p:nvGrpSpPr>
-      <p:grpSpPr>
-        <a:xfrm>
-          <a:off x="0" y="0"/>
-          <a:ext cx="0" cy="0"/>
-          <a:chOff x="0" y="0"/>
-          <a:chExt cx="0" cy="0"/>
-        </a:xfrm>
-      </p:grpSpPr>
-      <p:sp>
-        <p:nvSpPr>
-          <p:cNvPr id="2" name="Заголовок 1"/>
-          <p:cNvSpPr>
-            <a:spLocks noGrp="1"/>
-          </p:cNvSpPr>
-          <p:nvPr>
-            <p:ph type="title"/>
-          </p:nvPr>
-        </p:nvSpPr>
-        <p:spPr>
-          <a:xfrm>
-            <a:off x="677334" y="609600"/>
-            <a:ext cx="8596668" cy="668357"/>
-          </a:xfrm>
-        </p:spPr>
-        <p:txBody>
-          <a:bodyPr/>
-          <a:lstStyle/>
-          <a:p>
-            <a:r>
-              <a:rPr lang="ru-RU" dirty="0" smtClean="0"/>
-              <a:t>Итог</a:t>
-            </a:r>
-            <a:endParaRPr lang="ru-RU" dirty="0"/>
-          </a:p>
-        </p:txBody>
-      </p:sp>
-      <p:sp>
-        <p:nvSpPr>
-          <p:cNvPr id="5" name="TextBox 4"/>
-          <p:cNvSpPr txBox="1"/>
-          <p:nvPr/>
-        </p:nvSpPr>
-        <p:spPr>
-          <a:xfrm>
-            <a:off x="705080" y="1355076"/>
-            <a:ext cx="8637224" cy="5509200"/>
-          </a:xfrm>
-          <a:prstGeom prst="rect">
-            <a:avLst/>
-          </a:prstGeom>
-          <a:noFill/>
-        </p:spPr>
-        <p:txBody>
-          <a:bodyPr wrap="square" rtlCol="0">
-            <a:spAutoFit/>
-          </a:bodyPr>
-          <a:lstStyle/>
-          <a:p>
-            <a:r>
-              <a:rPr lang="en-US" sz="1600" dirty="0" smtClean="0"/>
-              <a:t>from tkinter import *</a:t>
-            </a:r>
-            <a:br>
-              <a:rPr lang="en-US" sz="1600" dirty="0" smtClean="0"/>
-            </a:br>
-            <a:r>
-              <a:rPr lang="en-US" sz="1600" dirty="0" smtClean="0"/>
-              <a:t>from tkinter import messagebox</a:t>
-            </a:r>
-            <a:br>
-              <a:rPr lang="en-US" sz="1600" dirty="0" smtClean="0"/>
-            </a:br>
-            <a:r>
-              <a:rPr lang="en-US" sz="1600" dirty="0" smtClean="0"/>
-              <a:t/>
-            </a:r>
-            <a:br>
-              <a:rPr lang="en-US" sz="1600" dirty="0" smtClean="0"/>
-            </a:br>
-            <a:r>
-              <a:rPr lang="en-US" sz="1600" dirty="0" smtClean="0"/>
-              <a:t/>
-            </a:r>
-            <a:br>
-              <a:rPr lang="en-US" sz="1600" dirty="0" smtClean="0"/>
-            </a:br>
-            <a:r>
-              <a:rPr lang="en-US" sz="1600" dirty="0" smtClean="0"/>
-              <a:t>def display():</a:t>
-            </a:r>
-            <a:br>
-              <a:rPr lang="en-US" sz="1600" dirty="0" smtClean="0"/>
-            </a:br>
-            <a:r>
-              <a:rPr lang="en-US" sz="1600" dirty="0" smtClean="0"/>
-              <a:t>    </a:t>
-            </a:r>
-            <a:r>
-              <a:rPr lang="en-US" sz="1600" dirty="0" smtClean="0"/>
-              <a:t>messagebox.showinfo(‘</a:t>
-            </a:r>
-            <a:r>
-              <a:rPr lang="ru-RU" sz="1600" dirty="0" smtClean="0"/>
-              <a:t>Окно приветствия</a:t>
-            </a:r>
-            <a:r>
-              <a:rPr lang="en-US" sz="1600" dirty="0" smtClean="0"/>
-              <a:t>’</a:t>
-            </a:r>
-            <a:r>
-              <a:rPr lang="ru-RU" sz="1600" dirty="0" smtClean="0"/>
-              <a:t>, </a:t>
-            </a:r>
-            <a:r>
-              <a:rPr lang="ru-RU" sz="1600" dirty="0" smtClean="0"/>
-              <a:t>‘Привет, ’ + </a:t>
-            </a:r>
-            <a:r>
-              <a:rPr lang="en-US" sz="1600" dirty="0" smtClean="0"/>
-              <a:t>name_entry.get() + ‘!’) </a:t>
-            </a:r>
-            <a:br>
-              <a:rPr lang="en-US" sz="1600" dirty="0" smtClean="0"/>
-            </a:br>
-            <a:r>
-              <a:rPr lang="en-US" sz="1600" dirty="0" smtClean="0"/>
-              <a:t/>
-            </a:r>
-            <a:br>
-              <a:rPr lang="en-US" sz="1600" dirty="0" smtClean="0"/>
-            </a:br>
-            <a:r>
-              <a:rPr lang="en-US" sz="1600" dirty="0" smtClean="0"/>
-              <a:t/>
-            </a:r>
-            <a:br>
-              <a:rPr lang="en-US" sz="1600" dirty="0" smtClean="0"/>
-            </a:br>
-            <a:r>
-              <a:rPr lang="en-US" sz="1600" dirty="0" smtClean="0"/>
-              <a:t>root = Tk()</a:t>
-            </a:r>
-            <a:br>
-              <a:rPr lang="en-US" sz="1600" dirty="0" smtClean="0"/>
-            </a:br>
-            <a:r>
-              <a:rPr lang="en-US" sz="1600" dirty="0" smtClean="0"/>
-              <a:t>root.title('Hello </a:t>
-            </a:r>
-            <a:r>
-              <a:rPr lang="en-US" sz="1600" dirty="0" smtClean="0"/>
-              <a:t>program')</a:t>
-            </a:r>
-            <a:r>
-              <a:rPr lang="en-US" sz="1600" dirty="0" smtClean="0"/>
-              <a:t/>
-            </a:r>
-            <a:br>
-              <a:rPr lang="en-US" sz="1600" dirty="0" smtClean="0"/>
-            </a:br>
-            <a:r>
-              <a:rPr lang="en-US" sz="1600" dirty="0" smtClean="0"/>
-              <a:t/>
-            </a:r>
-            <a:br>
-              <a:rPr lang="en-US" sz="1600" dirty="0" smtClean="0"/>
-            </a:br>
-            <a:r>
-              <a:rPr lang="en-US" sz="1600" dirty="0" smtClean="0"/>
-              <a:t>name_label = Label(text='</a:t>
-            </a:r>
-            <a:r>
-              <a:rPr lang="ru-RU" sz="1600" dirty="0" smtClean="0"/>
-              <a:t>Как тебя зовут?')</a:t>
-            </a:r>
-            <a:br>
-              <a:rPr lang="ru-RU" sz="1600" dirty="0" smtClean="0"/>
-            </a:br>
-            <a:r>
-              <a:rPr lang="en-US" sz="1600" dirty="0" smtClean="0"/>
-              <a:t>name_label.pack(side=LEFT)</a:t>
-            </a:r>
-            <a:br>
-              <a:rPr lang="en-US" sz="1600" dirty="0" smtClean="0"/>
-            </a:br>
-            <a:r>
-              <a:rPr lang="en-US" sz="1600" dirty="0" smtClean="0"/>
-              <a:t/>
-            </a:r>
-            <a:br>
-              <a:rPr lang="en-US" sz="1600" dirty="0" smtClean="0"/>
-            </a:br>
-            <a:r>
-              <a:rPr lang="en-US" sz="1600" dirty="0" smtClean="0"/>
-              <a:t>name_entry = Entry()</a:t>
-            </a:r>
-            <a:br>
-              <a:rPr lang="en-US" sz="1600" dirty="0" smtClean="0"/>
-            </a:br>
-            <a:r>
-              <a:rPr lang="en-US" sz="1600" dirty="0" smtClean="0"/>
-              <a:t>name_entry.pack(side=LEFT)</a:t>
-            </a:r>
-            <a:br>
-              <a:rPr lang="en-US" sz="1600" dirty="0" smtClean="0"/>
-            </a:br>
-            <a:r>
-              <a:rPr lang="en-US" sz="1600" dirty="0" smtClean="0"/>
-              <a:t/>
-            </a:r>
-            <a:br>
-              <a:rPr lang="en-US" sz="1600" dirty="0" smtClean="0"/>
-            </a:br>
-            <a:r>
-              <a:rPr lang="en-US" sz="1600" dirty="0" smtClean="0"/>
-              <a:t>display_button = Button(text='Enter', command=display)</a:t>
-            </a:r>
-            <a:br>
-              <a:rPr lang="en-US" sz="1600" dirty="0" smtClean="0"/>
-            </a:br>
-            <a:r>
-              <a:rPr lang="en-US" sz="1600" dirty="0" smtClean="0"/>
-              <a:t>display_button.pack(side=LEFT)</a:t>
-            </a:r>
-            <a:br>
-              <a:rPr lang="en-US" sz="1600" dirty="0" smtClean="0"/>
-            </a:br>
-            <a:r>
-              <a:rPr lang="en-US" sz="1600" dirty="0" smtClean="0"/>
-              <a:t/>
-            </a:r>
-            <a:br>
-              <a:rPr lang="en-US" sz="1600" dirty="0" smtClean="0"/>
-            </a:br>
-            <a:r>
-              <a:rPr lang="en-US" sz="1600" dirty="0" smtClean="0"/>
-              <a:t>root.mainloop() </a:t>
-            </a:r>
-            <a:r>
-              <a:rPr lang="en-US" sz="1600" dirty="0" smtClean="0"/>
-              <a:t/>
-            </a:r>
-            <a:br>
-              <a:rPr lang="en-US" sz="1600" dirty="0" smtClean="0"/>
-            </a:br>
-            <a:endParaRPr lang="ru-RU" sz="1600" dirty="0"/>
-          </a:p>
-        </p:txBody>
-      </p:sp>
-      <p:pic>
-        <p:nvPicPr>
-          <p:cNvPr id="3075" name="Picture 3"/>
-          <p:cNvPicPr>
-            <a:picLocks noChangeAspect="1" noChangeArrowheads="1"/>
-          </p:cNvPicPr>
-          <p:nvPr/>
-        </p:nvPicPr>
-        <p:blipFill>
-          <a:blip r:embed="rId2" cstate="print"/>
-          <a:srcRect/>
-          <a:stretch>
-            <a:fillRect/>
-          </a:stretch>
-        </p:blipFill>
-        <p:spPr bwMode="auto">
-          <a:xfrm>
-            <a:off x="6664805" y="3472264"/>
-            <a:ext cx="2409825" cy="552450"/>
-          </a:xfrm>
-          <a:prstGeom prst="rect">
-            <a:avLst/>
-          </a:prstGeom>
-          <a:noFill/>
-          <a:ln w="9525">
-            <a:noFill/>
-            <a:miter lim="800000"/>
-            <a:headEnd/>
-            <a:tailEnd/>
-          </a:ln>
-        </p:spPr>
-      </p:pic>
-      <p:pic>
-        <p:nvPicPr>
-          <p:cNvPr id="3076" name="Picture 4"/>
-          <p:cNvPicPr>
-            <a:picLocks noChangeAspect="1" noChangeArrowheads="1"/>
-          </p:cNvPicPr>
-          <p:nvPr/>
-        </p:nvPicPr>
-        <p:blipFill>
-          <a:blip r:embed="rId3" cstate="print"/>
-          <a:srcRect/>
-          <a:stretch>
-            <a:fillRect/>
-          </a:stretch>
-        </p:blipFill>
-        <p:spPr bwMode="auto">
-          <a:xfrm>
-            <a:off x="7162515" y="4093225"/>
-            <a:ext cx="1590675" cy="1447800"/>
-          </a:xfrm>
-          <a:prstGeom prst="rect">
-            <a:avLst/>
-          </a:prstGeom>
-          <a:noFill/>
-          <a:ln w="9525">
-            <a:noFill/>
-            <a:miter lim="800000"/>
-            <a:headEnd/>
-            <a:tailEnd/>
-          </a:ln>
-        </p:spPr>
-      </p:pic>
-    </p:spTree>
   </p:cSld>
   <p:clrMapOvr>
     <a:masterClrMapping/>
@@ -11282,15 +8148,7 @@
             </a:pPr>
             <a:r>
               <a:rPr lang="ru-RU" dirty="0" smtClean="0"/>
-              <a:t>Язык назван </a:t>
-            </a:r>
-            <a:r>
-              <a:rPr lang="ru-RU" dirty="0" smtClean="0"/>
-              <a:t>в честь популярного британского комедийного телешоу 1970-х «Летающий цирк Монти Пайтона</a:t>
-            </a:r>
-            <a:r>
-              <a:rPr lang="ru-RU" dirty="0" smtClean="0"/>
-              <a:t>». А встроенная среда разработки </a:t>
+              <a:t>Язык назван в честь популярного британского комедийного телешоу 1970-х «Летающий цирк Монти Пайтона». А встроенная среда разработки </a:t>
             </a:r>
             <a:r>
               <a:rPr lang="en-US" dirty="0" smtClean="0"/>
@@ -11320,7 +8178,6 @@
               <a:rPr lang="ru-RU" b="1" dirty="0" smtClean="0"/>
               <a:t>Эрика Айдла.</a:t>
             </a:r>
-            <a:endParaRPr lang="ru-RU" b="1" dirty="0" smtClean="0"/>
           </a:p>
         </p:txBody>
       </p:sp>
@@ -11520,7 +8377,6 @@
               <a:rPr lang="ru-RU" dirty="0" smtClean="0"/>
               <a:t>минималистичный.</a:t>
             </a:r>
-            <a:endParaRPr lang="ru-RU" dirty="0" smtClean="0"/>
           </a:p>
           <a:p>
             <a:pPr marL="0" indent="0">
@@ -11563,14 +8419,13 @@
               <a:rPr lang="ru-RU" dirty="0" smtClean="0"/>
               <a:t>Типизация:		динамическая.</a:t>
             </a:r>
-            <a:endParaRPr lang="ru-RU" dirty="0" smtClean="0"/>
           </a:p>
         </p:txBody>
       </p:sp>
     </p:spTree>
     <p:extLst>
       <p:ext uri="{BB962C8B-B14F-4D97-AF65-F5344CB8AC3E}">
-        <p14:creationId xmlns:p14="http://schemas.microsoft.com/office/powerpoint/2010/main" xmlns="" val="487332362"/>
+        <p14:creationId xmlns="" xmlns:p14="http://schemas.microsoft.com/office/powerpoint/2010/main" val="487332362"/>
       </p:ext>
     </p:extLst>
   </p:cSld>
@@ -11609,7 +8464,7 @@
           <a:blip r:embed="rId2" cstate="print">
             <a:extLst>
               <a:ext uri="{28A0092B-C50C-407E-A947-70E740481C1C}">
-                <a14:useLocalDpi xmlns:a14="http://schemas.microsoft.com/office/drawing/2010/main" xmlns="" val="0"/>
+                <a14:useLocalDpi xmlns="" xmlns:a14="http://schemas.microsoft.com/office/drawing/2010/main" val="0"/>
               </a:ext>
             </a:extLst>
           </a:blip>
@@ -11644,7 +8499,7 @@
           <a:blip r:embed="rId3" cstate="print">
             <a:extLst>
               <a:ext uri="{28A0092B-C50C-407E-A947-70E740481C1C}">
-                <a14:useLocalDpi xmlns:a14="http://schemas.microsoft.com/office/drawing/2010/main" xmlns="" val="0"/>
+                <a14:useLocalDpi xmlns="" xmlns:a14="http://schemas.microsoft.com/office/drawing/2010/main" val="0"/>
               </a:ext>
             </a:extLst>
           </a:blip>
@@ -11731,7 +8586,7 @@
     </p:spTree>
     <p:extLst>
       <p:ext uri="{BB962C8B-B14F-4D97-AF65-F5344CB8AC3E}">
-        <p14:creationId xmlns:p14="http://schemas.microsoft.com/office/powerpoint/2010/main" xmlns="" val="2309058622"/>
+        <p14:creationId xmlns="" xmlns:p14="http://schemas.microsoft.com/office/powerpoint/2010/main" val="2309058622"/>
       </p:ext>
     </p:extLst>
   </p:cSld>
@@ -11941,7 +8796,6 @@
               <a:rPr lang="en-US" sz="1400" dirty="0" smtClean="0"/>
               <a:t> 0x89 0xec 0x5d 0xc3</a:t>
             </a:r>
-            <a:endParaRPr lang="en-US" sz="1400" dirty="0" smtClean="0"/>
           </a:p>
         </p:txBody>
       </p:sp>
@@ -12390,7 +9244,7 @@
     </p:spTree>
     <p:extLst>
       <p:ext uri="{BB962C8B-B14F-4D97-AF65-F5344CB8AC3E}">
-        <p14:creationId xmlns:p14="http://schemas.microsoft.com/office/powerpoint/2010/main" xmlns="" val="1386645822"/>
+        <p14:creationId xmlns="" xmlns:p14="http://schemas.microsoft.com/office/powerpoint/2010/main" val="1386645822"/>
       </p:ext>
     </p:extLst>
   </p:cSld>
@@ -13504,7 +10358,7 @@
     </p:spTree>
     <p:extLst>
       <p:ext uri="{BB962C8B-B14F-4D97-AF65-F5344CB8AC3E}">
-        <p14:creationId xmlns:p14="http://schemas.microsoft.com/office/powerpoint/2010/main" xmlns="" val="2239792924"/>
+        <p14:creationId xmlns="" xmlns:p14="http://schemas.microsoft.com/office/powerpoint/2010/main" val="2239792924"/>
       </p:ext>
     </p:extLst>
   </p:cSld>
@@ -13602,11 +10456,16 @@
             </a:r>
             <a:r>
               <a:rPr lang="ru-RU" dirty="0" smtClean="0"/>
-              <a:t>Разработка сайтов</a:t>
-            </a:r>
-          </a:p>
-          <a:p>
-            <a:pPr marL="0" indent="0">
+              <a:t>Разработка </a:t>
+            </a:r>
+            <a:r>
+              <a:rPr lang="ru-RU" dirty="0" smtClean="0"/>
+              <a:t>сайтов</a:t>
+            </a:r>
+            <a:endParaRPr lang="ru-RU" dirty="0" smtClean="0"/>
+          </a:p>
+          <a:p>
+            <a:pPr marL="0" indent="0" fontAlgn="base">
               <a:buNone/>
             </a:pPr>
             <a:r>
@@ -13615,12 +10474,12 @@
             </a:r>
             <a:r>
               <a:rPr lang="ru-RU" dirty="0" smtClean="0"/>
-              <a:t>Серверные части мобильных приложений</a:t>
+              <a:t>Скрипты в играх</a:t>
             </a:r>
             <a:endParaRPr lang="en-US" dirty="0" smtClean="0"/>
           </a:p>
           <a:p>
-            <a:pPr marL="0" indent="0">
+            <a:pPr marL="0" indent="0" fontAlgn="base">
               <a:buNone/>
             </a:pPr>
             <a:r>
@@ -13629,43 +10488,13 @@
             </a:r>
             <a:r>
               <a:rPr lang="ru-RU" dirty="0" smtClean="0"/>
-              <a:t>Десктопные приложения</a:t>
-            </a:r>
-          </a:p>
-          <a:p>
-            <a:pPr marL="0" indent="0" fontAlgn="base">
-              <a:buNone/>
-            </a:pPr>
-            <a:r>
-              <a:rPr lang="en-US" dirty="0" smtClean="0"/>
-              <a:t>&gt;&gt;&gt;		</a:t>
+              <a:t>Автоматические</a:t>
             </a:r>
             <a:r>
               <a:rPr lang="ru-RU" dirty="0" smtClean="0"/>
-              <a:t>Скрипты в играх</a:t>
-            </a:r>
-            <a:endParaRPr lang="en-US" dirty="0" smtClean="0"/>
-          </a:p>
-          <a:p>
-            <a:pPr marL="0" indent="0" fontAlgn="base">
-              <a:buNone/>
-            </a:pPr>
-            <a:r>
-              <a:rPr lang="en-US" dirty="0" smtClean="0"/>
-              <a:t>&gt;&gt;&gt;		</a:t>
-            </a:r>
-            <a:r>
-              <a:rPr lang="ru-RU" dirty="0" smtClean="0"/>
-              <a:t>Встроенные системы</a:t>
-            </a:r>
-            <a:r>
-              <a:rPr lang="en-US" dirty="0" smtClean="0"/>
-              <a:t> </a:t>
-            </a:r>
-            <a:r>
-              <a:rPr lang="ru-RU" dirty="0" smtClean="0"/>
-              <a:t>автоматического управления</a:t>
-            </a:r>
+              <a:t> системы</a:t>
+            </a:r>
+            <a:endParaRPr lang="ru-RU" dirty="0" smtClean="0"/>
           </a:p>
           <a:p>
             <a:pPr marL="0" indent="0" fontAlgn="base">
@@ -13713,7 +10542,7 @@
     </p:spTree>
     <p:extLst>
       <p:ext uri="{BB962C8B-B14F-4D97-AF65-F5344CB8AC3E}">
-        <p14:creationId xmlns:p14="http://schemas.microsoft.com/office/powerpoint/2010/main" xmlns="" val="557461269"/>
+        <p14:creationId xmlns="" xmlns:p14="http://schemas.microsoft.com/office/powerpoint/2010/main" val="557461269"/>
       </p:ext>
     </p:extLst>
   </p:cSld>
@@ -13981,7 +10810,7 @@
   <a:extraClrSchemeLst/>
   <a:extLst>
     <a:ext uri="{05A4C25C-085E-4340-85A3-A5531E510DB2}">
-      <thm15:themeFamily xmlns:thm15="http://schemas.microsoft.com/office/thememl/2012/main" xmlns="" name="Facet" id="{C0C680CD-088A-49FC-A102-D699147F32B2}" vid="{8C59B386-999D-4CB6-B907-9F3997C027CC}"/>
+      <thm15:themeFamily xmlns="" xmlns:thm15="http://schemas.microsoft.com/office/thememl/2012/main" name="Facet" id="{C0C680CD-088A-49FC-A102-D699147F32B2}" vid="{8C59B386-999D-4CB6-B907-9F3997C027CC}"/>
     </a:ext>
   </a:extLst>
 </a:theme>
